--- a/[ESPEC] Fundamentos Aprendizagem Máquina/Tópico 03 - Aprendizado-Supervisionado - Arvores/Tópico 03 - Aprendizado-Supervisionado - Arvores.pptx
+++ b/[ESPEC] Fundamentos Aprendizagem Máquina/Tópico 03 - Aprendizado-Supervisionado - Arvores/Tópico 03 - Aprendizado-Supervisionado - Arvores.pptx
@@ -378,7 +378,7 @@
             <a:pPr indent="0" algn="r">
               <a:buNone/>
             </a:pPr>
-            <a:fld id="{36892446-6EF3-4C83-8189-C6E83C399C78}" type="slidenum">
+            <a:fld id="{22CF04DC-7304-4178-9662-F4E203B6F5C8}" type="slidenum">
               <a:rPr b="0" lang="en-US" sz="1400" spc="-1" strike="noStrike">
                 <a:solidFill>
                   <a:srgbClr val="000000"/>
@@ -432,7 +432,7 @@
         <p:spPr>
           <a:xfrm>
             <a:off x="1376280" y="1336680"/>
-            <a:ext cx="4797000" cy="3596760"/>
+            <a:ext cx="4796640" cy="3596400"/>
           </a:xfrm>
           <a:prstGeom prst="rect">
             <a:avLst/>
@@ -455,7 +455,7 @@
         <p:spPr>
           <a:xfrm>
             <a:off x="756000" y="5145120"/>
-            <a:ext cx="6037200" cy="4199400"/>
+            <a:ext cx="6036840" cy="4199040"/>
           </a:xfrm>
           <a:prstGeom prst="rect">
             <a:avLst/>
@@ -491,7 +491,7 @@
         <p:spPr>
           <a:xfrm>
             <a:off x="0" y="10155240"/>
-            <a:ext cx="3265560" cy="525960"/>
+            <a:ext cx="3265200" cy="525600"/>
           </a:xfrm>
           <a:prstGeom prst="rect">
             <a:avLst/>
@@ -571,7 +571,7 @@
         <p:spPr>
           <a:xfrm>
             <a:off x="1376280" y="1336680"/>
-            <a:ext cx="4797000" cy="3596760"/>
+            <a:ext cx="4796640" cy="3596400"/>
           </a:xfrm>
           <a:prstGeom prst="rect">
             <a:avLst/>
@@ -594,7 +594,7 @@
         <p:spPr>
           <a:xfrm>
             <a:off x="756000" y="5145120"/>
-            <a:ext cx="6037200" cy="4199400"/>
+            <a:ext cx="6036840" cy="4199040"/>
           </a:xfrm>
           <a:prstGeom prst="rect">
             <a:avLst/>
@@ -630,7 +630,7 @@
         <p:spPr>
           <a:xfrm>
             <a:off x="0" y="10155240"/>
-            <a:ext cx="3265560" cy="525960"/>
+            <a:ext cx="3265200" cy="525600"/>
           </a:xfrm>
           <a:prstGeom prst="rect">
             <a:avLst/>
@@ -710,7 +710,7 @@
         <p:spPr>
           <a:xfrm>
             <a:off x="1376280" y="1336680"/>
-            <a:ext cx="4797000" cy="3596760"/>
+            <a:ext cx="4796640" cy="3596400"/>
           </a:xfrm>
           <a:prstGeom prst="rect">
             <a:avLst/>
@@ -733,7 +733,7 @@
         <p:spPr>
           <a:xfrm>
             <a:off x="756000" y="5145120"/>
-            <a:ext cx="6037200" cy="4199400"/>
+            <a:ext cx="6036840" cy="4199040"/>
           </a:xfrm>
           <a:prstGeom prst="rect">
             <a:avLst/>
@@ -769,7 +769,7 @@
         <p:spPr>
           <a:xfrm>
             <a:off x="0" y="10155240"/>
-            <a:ext cx="3265560" cy="525960"/>
+            <a:ext cx="3265200" cy="525600"/>
           </a:xfrm>
           <a:prstGeom prst="rect">
             <a:avLst/>
@@ -849,7 +849,7 @@
         <p:spPr>
           <a:xfrm>
             <a:off x="1376280" y="1336680"/>
-            <a:ext cx="4797000" cy="3596760"/>
+            <a:ext cx="4796640" cy="3596400"/>
           </a:xfrm>
           <a:prstGeom prst="rect">
             <a:avLst/>
@@ -872,7 +872,7 @@
         <p:spPr>
           <a:xfrm>
             <a:off x="756000" y="5145120"/>
-            <a:ext cx="6037200" cy="4199400"/>
+            <a:ext cx="6036840" cy="4199040"/>
           </a:xfrm>
           <a:prstGeom prst="rect">
             <a:avLst/>
@@ -908,7 +908,7 @@
         <p:spPr>
           <a:xfrm>
             <a:off x="0" y="10155240"/>
-            <a:ext cx="3265560" cy="525960"/>
+            <a:ext cx="3265200" cy="525600"/>
           </a:xfrm>
           <a:prstGeom prst="rect">
             <a:avLst/>
@@ -988,7 +988,7 @@
         <p:spPr>
           <a:xfrm>
             <a:off x="1376280" y="1336680"/>
-            <a:ext cx="4797000" cy="3596760"/>
+            <a:ext cx="4796640" cy="3596400"/>
           </a:xfrm>
           <a:prstGeom prst="rect">
             <a:avLst/>
@@ -1011,7 +1011,7 @@
         <p:spPr>
           <a:xfrm>
             <a:off x="756000" y="5145120"/>
-            <a:ext cx="6037200" cy="4199400"/>
+            <a:ext cx="6036840" cy="4199040"/>
           </a:xfrm>
           <a:prstGeom prst="rect">
             <a:avLst/>
@@ -1047,7 +1047,7 @@
         <p:spPr>
           <a:xfrm>
             <a:off x="0" y="10155240"/>
-            <a:ext cx="3265560" cy="525960"/>
+            <a:ext cx="3265200" cy="525600"/>
           </a:xfrm>
           <a:prstGeom prst="rect">
             <a:avLst/>
@@ -1127,7 +1127,7 @@
         <p:spPr>
           <a:xfrm>
             <a:off x="1376280" y="1336680"/>
-            <a:ext cx="4797000" cy="3596760"/>
+            <a:ext cx="4796640" cy="3596400"/>
           </a:xfrm>
           <a:prstGeom prst="rect">
             <a:avLst/>
@@ -1150,7 +1150,7 @@
         <p:spPr>
           <a:xfrm>
             <a:off x="756000" y="5145120"/>
-            <a:ext cx="6037200" cy="4199400"/>
+            <a:ext cx="6036840" cy="4199040"/>
           </a:xfrm>
           <a:prstGeom prst="rect">
             <a:avLst/>
@@ -1186,7 +1186,7 @@
         <p:spPr>
           <a:xfrm>
             <a:off x="0" y="10155240"/>
-            <a:ext cx="3265560" cy="525960"/>
+            <a:ext cx="3265200" cy="525600"/>
           </a:xfrm>
           <a:prstGeom prst="rect">
             <a:avLst/>
@@ -1266,7 +1266,7 @@
         <p:spPr>
           <a:xfrm>
             <a:off x="1376280" y="1336680"/>
-            <a:ext cx="4797000" cy="3596760"/>
+            <a:ext cx="4796640" cy="3596400"/>
           </a:xfrm>
           <a:prstGeom prst="rect">
             <a:avLst/>
@@ -1289,7 +1289,7 @@
         <p:spPr>
           <a:xfrm>
             <a:off x="756000" y="5145120"/>
-            <a:ext cx="6037200" cy="4199400"/>
+            <a:ext cx="6036840" cy="4199040"/>
           </a:xfrm>
           <a:prstGeom prst="rect">
             <a:avLst/>
@@ -1325,7 +1325,7 @@
         <p:spPr>
           <a:xfrm>
             <a:off x="0" y="10155240"/>
-            <a:ext cx="3265560" cy="525960"/>
+            <a:ext cx="3265200" cy="525600"/>
           </a:xfrm>
           <a:prstGeom prst="rect">
             <a:avLst/>
@@ -1405,7 +1405,7 @@
         <p:spPr>
           <a:xfrm>
             <a:off x="1376280" y="1336680"/>
-            <a:ext cx="4797000" cy="3596760"/>
+            <a:ext cx="4796640" cy="3596400"/>
           </a:xfrm>
           <a:prstGeom prst="rect">
             <a:avLst/>
@@ -1428,7 +1428,7 @@
         <p:spPr>
           <a:xfrm>
             <a:off x="756000" y="5145120"/>
-            <a:ext cx="6037200" cy="4199400"/>
+            <a:ext cx="6036840" cy="4199040"/>
           </a:xfrm>
           <a:prstGeom prst="rect">
             <a:avLst/>
@@ -1464,7 +1464,7 @@
         <p:spPr>
           <a:xfrm>
             <a:off x="0" y="10155240"/>
-            <a:ext cx="3265560" cy="525960"/>
+            <a:ext cx="3265200" cy="525600"/>
           </a:xfrm>
           <a:prstGeom prst="rect">
             <a:avLst/>
@@ -1544,7 +1544,7 @@
         <p:spPr>
           <a:xfrm>
             <a:off x="1376280" y="1336680"/>
-            <a:ext cx="4797000" cy="3596760"/>
+            <a:ext cx="4796640" cy="3596400"/>
           </a:xfrm>
           <a:prstGeom prst="rect">
             <a:avLst/>
@@ -1567,7 +1567,7 @@
         <p:spPr>
           <a:xfrm>
             <a:off x="756000" y="5145120"/>
-            <a:ext cx="6037200" cy="4199400"/>
+            <a:ext cx="6036840" cy="4199040"/>
           </a:xfrm>
           <a:prstGeom prst="rect">
             <a:avLst/>
@@ -1603,7 +1603,7 @@
         <p:spPr>
           <a:xfrm>
             <a:off x="0" y="10155240"/>
-            <a:ext cx="3265560" cy="525960"/>
+            <a:ext cx="3265200" cy="525600"/>
           </a:xfrm>
           <a:prstGeom prst="rect">
             <a:avLst/>
@@ -1683,7 +1683,7 @@
         <p:spPr>
           <a:xfrm>
             <a:off x="1376280" y="1336680"/>
-            <a:ext cx="4797000" cy="3596760"/>
+            <a:ext cx="4796640" cy="3596400"/>
           </a:xfrm>
           <a:prstGeom prst="rect">
             <a:avLst/>
@@ -1706,7 +1706,7 @@
         <p:spPr>
           <a:xfrm>
             <a:off x="756000" y="5145120"/>
-            <a:ext cx="6037200" cy="4199400"/>
+            <a:ext cx="6036840" cy="4199040"/>
           </a:xfrm>
           <a:prstGeom prst="rect">
             <a:avLst/>
@@ -1742,7 +1742,7 @@
         <p:spPr>
           <a:xfrm>
             <a:off x="0" y="10155240"/>
-            <a:ext cx="3265560" cy="525960"/>
+            <a:ext cx="3265200" cy="525600"/>
           </a:xfrm>
           <a:prstGeom prst="rect">
             <a:avLst/>
@@ -1822,7 +1822,7 @@
         <p:spPr>
           <a:xfrm>
             <a:off x="1376280" y="1336680"/>
-            <a:ext cx="4797000" cy="3596760"/>
+            <a:ext cx="4796640" cy="3596400"/>
           </a:xfrm>
           <a:prstGeom prst="rect">
             <a:avLst/>
@@ -1845,7 +1845,7 @@
         <p:spPr>
           <a:xfrm>
             <a:off x="756000" y="5145120"/>
-            <a:ext cx="6037200" cy="4199400"/>
+            <a:ext cx="6036840" cy="4199040"/>
           </a:xfrm>
           <a:prstGeom prst="rect">
             <a:avLst/>
@@ -1881,7 +1881,7 @@
         <p:spPr>
           <a:xfrm>
             <a:off x="0" y="10155240"/>
-            <a:ext cx="3265560" cy="525960"/>
+            <a:ext cx="3265200" cy="525600"/>
           </a:xfrm>
           <a:prstGeom prst="rect">
             <a:avLst/>
@@ -1961,7 +1961,7 @@
         <p:spPr>
           <a:xfrm>
             <a:off x="1376280" y="1336680"/>
-            <a:ext cx="4797000" cy="3596760"/>
+            <a:ext cx="4796640" cy="3596400"/>
           </a:xfrm>
           <a:prstGeom prst="rect">
             <a:avLst/>
@@ -1984,7 +1984,7 @@
         <p:spPr>
           <a:xfrm>
             <a:off x="756000" y="5145120"/>
-            <a:ext cx="6037200" cy="4199400"/>
+            <a:ext cx="6036840" cy="4199040"/>
           </a:xfrm>
           <a:prstGeom prst="rect">
             <a:avLst/>
@@ -2020,7 +2020,7 @@
         <p:spPr>
           <a:xfrm>
             <a:off x="0" y="10155240"/>
-            <a:ext cx="3265560" cy="525960"/>
+            <a:ext cx="3265200" cy="525600"/>
           </a:xfrm>
           <a:prstGeom prst="rect">
             <a:avLst/>
@@ -2100,7 +2100,7 @@
         <p:spPr>
           <a:xfrm>
             <a:off x="1376280" y="1336680"/>
-            <a:ext cx="4797000" cy="3596760"/>
+            <a:ext cx="4796640" cy="3596400"/>
           </a:xfrm>
           <a:prstGeom prst="rect">
             <a:avLst/>
@@ -2123,7 +2123,7 @@
         <p:spPr>
           <a:xfrm>
             <a:off x="756000" y="5145120"/>
-            <a:ext cx="6037200" cy="4199400"/>
+            <a:ext cx="6036840" cy="4199040"/>
           </a:xfrm>
           <a:prstGeom prst="rect">
             <a:avLst/>
@@ -2159,7 +2159,7 @@
         <p:spPr>
           <a:xfrm>
             <a:off x="0" y="10155240"/>
-            <a:ext cx="3265560" cy="525960"/>
+            <a:ext cx="3265200" cy="525600"/>
           </a:xfrm>
           <a:prstGeom prst="rect">
             <a:avLst/>
@@ -2239,7 +2239,7 @@
         <p:spPr>
           <a:xfrm>
             <a:off x="1376280" y="1336680"/>
-            <a:ext cx="4797000" cy="3596760"/>
+            <a:ext cx="4796640" cy="3596400"/>
           </a:xfrm>
           <a:prstGeom prst="rect">
             <a:avLst/>
@@ -2262,7 +2262,7 @@
         <p:spPr>
           <a:xfrm>
             <a:off x="756000" y="5145120"/>
-            <a:ext cx="6037200" cy="4199400"/>
+            <a:ext cx="6036840" cy="4199040"/>
           </a:xfrm>
           <a:prstGeom prst="rect">
             <a:avLst/>
@@ -2298,7 +2298,7 @@
         <p:spPr>
           <a:xfrm>
             <a:off x="0" y="10155240"/>
-            <a:ext cx="3265560" cy="525960"/>
+            <a:ext cx="3265200" cy="525600"/>
           </a:xfrm>
           <a:prstGeom prst="rect">
             <a:avLst/>
@@ -2378,7 +2378,7 @@
         <p:spPr>
           <a:xfrm>
             <a:off x="1376280" y="1336680"/>
-            <a:ext cx="4797000" cy="3596760"/>
+            <a:ext cx="4796640" cy="3596400"/>
           </a:xfrm>
           <a:prstGeom prst="rect">
             <a:avLst/>
@@ -2401,7 +2401,7 @@
         <p:spPr>
           <a:xfrm>
             <a:off x="756000" y="5145120"/>
-            <a:ext cx="6037200" cy="4199400"/>
+            <a:ext cx="6036840" cy="4199040"/>
           </a:xfrm>
           <a:prstGeom prst="rect">
             <a:avLst/>
@@ -2437,7 +2437,7 @@
         <p:spPr>
           <a:xfrm>
             <a:off x="0" y="10155240"/>
-            <a:ext cx="3265560" cy="525960"/>
+            <a:ext cx="3265200" cy="525600"/>
           </a:xfrm>
           <a:prstGeom prst="rect">
             <a:avLst/>
@@ -2517,7 +2517,7 @@
         <p:spPr>
           <a:xfrm>
             <a:off x="1376280" y="1336680"/>
-            <a:ext cx="4797000" cy="3596760"/>
+            <a:ext cx="4796640" cy="3596400"/>
           </a:xfrm>
           <a:prstGeom prst="rect">
             <a:avLst/>
@@ -2540,7 +2540,7 @@
         <p:spPr>
           <a:xfrm>
             <a:off x="756000" y="5145120"/>
-            <a:ext cx="6037200" cy="4199400"/>
+            <a:ext cx="6036840" cy="4199040"/>
           </a:xfrm>
           <a:prstGeom prst="rect">
             <a:avLst/>
@@ -2576,7 +2576,7 @@
         <p:spPr>
           <a:xfrm>
             <a:off x="0" y="10155240"/>
-            <a:ext cx="3265560" cy="525960"/>
+            <a:ext cx="3265200" cy="525600"/>
           </a:xfrm>
           <a:prstGeom prst="rect">
             <a:avLst/>
@@ -2656,7 +2656,7 @@
         <p:spPr>
           <a:xfrm>
             <a:off x="1376280" y="1336680"/>
-            <a:ext cx="4797000" cy="3596760"/>
+            <a:ext cx="4796640" cy="3596400"/>
           </a:xfrm>
           <a:prstGeom prst="rect">
             <a:avLst/>
@@ -2679,7 +2679,7 @@
         <p:spPr>
           <a:xfrm>
             <a:off x="756000" y="5145120"/>
-            <a:ext cx="6037200" cy="4199400"/>
+            <a:ext cx="6036840" cy="4199040"/>
           </a:xfrm>
           <a:prstGeom prst="rect">
             <a:avLst/>
@@ -2715,7 +2715,7 @@
         <p:spPr>
           <a:xfrm>
             <a:off x="0" y="10155240"/>
-            <a:ext cx="3265560" cy="525960"/>
+            <a:ext cx="3265200" cy="525600"/>
           </a:xfrm>
           <a:prstGeom prst="rect">
             <a:avLst/>
@@ -5680,7 +5680,7 @@
         <p:spPr>
           <a:xfrm>
             <a:off x="0" y="3150000"/>
-            <a:ext cx="9709560" cy="1249560"/>
+            <a:ext cx="9709200" cy="1249200"/>
           </a:xfrm>
           <a:prstGeom prst="rect">
             <a:avLst/>
@@ -6484,7 +6484,7 @@
         <p:spPr>
           <a:xfrm>
             <a:off x="0" y="3150000"/>
-            <a:ext cx="9709560" cy="1249560"/>
+            <a:ext cx="9709200" cy="1249200"/>
           </a:xfrm>
           <a:prstGeom prst="rect">
             <a:avLst/>
@@ -6564,7 +6564,7 @@
         <p:spPr>
           <a:xfrm>
             <a:off x="0" y="3150000"/>
-            <a:ext cx="9709560" cy="1249560"/>
+            <a:ext cx="9709200" cy="1249200"/>
           </a:xfrm>
           <a:prstGeom prst="rect">
             <a:avLst/>
@@ -7368,7 +7368,7 @@
         <p:spPr>
           <a:xfrm>
             <a:off x="0" y="3150000"/>
-            <a:ext cx="9709560" cy="1249560"/>
+            <a:ext cx="9709200" cy="1249200"/>
           </a:xfrm>
           <a:prstGeom prst="rect">
             <a:avLst/>
@@ -8172,7 +8172,7 @@
         <p:spPr>
           <a:xfrm>
             <a:off x="0" y="180000"/>
-            <a:ext cx="9709560" cy="1249560"/>
+            <a:ext cx="9709200" cy="1249200"/>
           </a:xfrm>
           <a:prstGeom prst="rect">
             <a:avLst/>
@@ -8219,7 +8219,7 @@
         <p:spPr>
           <a:xfrm>
             <a:off x="7560000" y="6840000"/>
-            <a:ext cx="2509560" cy="529560"/>
+            <a:ext cx="2509200" cy="529200"/>
           </a:xfrm>
           <a:prstGeom prst="rect">
             <a:avLst/>
@@ -8266,7 +8266,7 @@
         <p:spPr>
           <a:xfrm>
             <a:off x="900000" y="6840000"/>
-            <a:ext cx="6469560" cy="529560"/>
+            <a:ext cx="6469200" cy="529200"/>
           </a:xfrm>
           <a:prstGeom prst="rect">
             <a:avLst/>
@@ -8313,7 +8313,7 @@
         <p:spPr>
           <a:xfrm>
             <a:off x="180000" y="6840000"/>
-            <a:ext cx="529560" cy="529560"/>
+            <a:ext cx="529200" cy="529200"/>
           </a:xfrm>
           <a:prstGeom prst="rect">
             <a:avLst/>
@@ -9115,7 +9115,7 @@
         <p:spPr>
           <a:xfrm>
             <a:off x="0" y="180000"/>
-            <a:ext cx="9709560" cy="1249560"/>
+            <a:ext cx="9709200" cy="1249200"/>
           </a:xfrm>
           <a:prstGeom prst="rect">
             <a:avLst/>
@@ -9162,7 +9162,7 @@
         <p:spPr>
           <a:xfrm>
             <a:off x="7560000" y="6840000"/>
-            <a:ext cx="2509560" cy="529560"/>
+            <a:ext cx="2509200" cy="529200"/>
           </a:xfrm>
           <a:prstGeom prst="rect">
             <a:avLst/>
@@ -9209,7 +9209,7 @@
         <p:spPr>
           <a:xfrm>
             <a:off x="900000" y="6840000"/>
-            <a:ext cx="6469560" cy="529560"/>
+            <a:ext cx="6469200" cy="529200"/>
           </a:xfrm>
           <a:prstGeom prst="rect">
             <a:avLst/>
@@ -9256,7 +9256,7 @@
         <p:spPr>
           <a:xfrm>
             <a:off x="180000" y="6840000"/>
-            <a:ext cx="529560" cy="529560"/>
+            <a:ext cx="529200" cy="529200"/>
           </a:xfrm>
           <a:prstGeom prst="rect">
             <a:avLst/>
@@ -9833,7 +9833,7 @@
         <p:spPr>
           <a:xfrm>
             <a:off x="0" y="180000"/>
-            <a:ext cx="9709560" cy="1249560"/>
+            <a:ext cx="9709200" cy="1249200"/>
           </a:xfrm>
           <a:prstGeom prst="rect">
             <a:avLst/>
@@ -9880,7 +9880,7 @@
         <p:spPr>
           <a:xfrm>
             <a:off x="7560000" y="6840000"/>
-            <a:ext cx="2509560" cy="529560"/>
+            <a:ext cx="2509200" cy="529200"/>
           </a:xfrm>
           <a:prstGeom prst="rect">
             <a:avLst/>
@@ -9927,7 +9927,7 @@
         <p:spPr>
           <a:xfrm>
             <a:off x="900000" y="6840000"/>
-            <a:ext cx="6469560" cy="529560"/>
+            <a:ext cx="6469200" cy="529200"/>
           </a:xfrm>
           <a:prstGeom prst="rect">
             <a:avLst/>
@@ -9974,7 +9974,7 @@
         <p:spPr>
           <a:xfrm>
             <a:off x="180000" y="6840000"/>
-            <a:ext cx="529560" cy="529560"/>
+            <a:ext cx="529200" cy="529200"/>
           </a:xfrm>
           <a:prstGeom prst="rect">
             <a:avLst/>
@@ -11001,7 +11001,7 @@
         <p:spPr>
           <a:xfrm>
             <a:off x="0" y="180000"/>
-            <a:ext cx="9709560" cy="1249560"/>
+            <a:ext cx="9709200" cy="1249200"/>
           </a:xfrm>
           <a:prstGeom prst="rect">
             <a:avLst/>
@@ -11048,7 +11048,7 @@
         <p:spPr>
           <a:xfrm>
             <a:off x="7560000" y="6840000"/>
-            <a:ext cx="2509560" cy="529560"/>
+            <a:ext cx="2509200" cy="529200"/>
           </a:xfrm>
           <a:prstGeom prst="rect">
             <a:avLst/>
@@ -11095,7 +11095,7 @@
         <p:spPr>
           <a:xfrm>
             <a:off x="900000" y="6840000"/>
-            <a:ext cx="6469560" cy="529560"/>
+            <a:ext cx="6469200" cy="529200"/>
           </a:xfrm>
           <a:prstGeom prst="rect">
             <a:avLst/>
@@ -11142,7 +11142,7 @@
         <p:spPr>
           <a:xfrm>
             <a:off x="180000" y="6840000"/>
-            <a:ext cx="529560" cy="529560"/>
+            <a:ext cx="529200" cy="529200"/>
           </a:xfrm>
           <a:prstGeom prst="rect">
             <a:avLst/>
@@ -11220,7 +11220,7 @@
         <p:spPr>
           <a:xfrm>
             <a:off x="0" y="180000"/>
-            <a:ext cx="9709560" cy="1249560"/>
+            <a:ext cx="9709200" cy="1249200"/>
           </a:xfrm>
           <a:prstGeom prst="rect">
             <a:avLst/>
@@ -11267,7 +11267,7 @@
         <p:spPr>
           <a:xfrm>
             <a:off x="7560000" y="6840000"/>
-            <a:ext cx="2509560" cy="529560"/>
+            <a:ext cx="2509200" cy="529200"/>
           </a:xfrm>
           <a:prstGeom prst="rect">
             <a:avLst/>
@@ -11314,7 +11314,7 @@
         <p:spPr>
           <a:xfrm>
             <a:off x="900000" y="6840000"/>
-            <a:ext cx="6469560" cy="529560"/>
+            <a:ext cx="6469200" cy="529200"/>
           </a:xfrm>
           <a:prstGeom prst="rect">
             <a:avLst/>
@@ -11361,7 +11361,7 @@
         <p:spPr>
           <a:xfrm>
             <a:off x="180000" y="6840000"/>
-            <a:ext cx="529560" cy="529560"/>
+            <a:ext cx="529200" cy="529200"/>
           </a:xfrm>
           <a:prstGeom prst="rect">
             <a:avLst/>
@@ -11713,7 +11713,7 @@
         <p:spPr>
           <a:xfrm>
             <a:off x="0" y="180000"/>
-            <a:ext cx="9709560" cy="1249560"/>
+            <a:ext cx="9709200" cy="1249200"/>
           </a:xfrm>
           <a:prstGeom prst="rect">
             <a:avLst/>
@@ -11760,7 +11760,7 @@
         <p:spPr>
           <a:xfrm>
             <a:off x="7560000" y="6840000"/>
-            <a:ext cx="2509560" cy="529560"/>
+            <a:ext cx="2509200" cy="529200"/>
           </a:xfrm>
           <a:prstGeom prst="rect">
             <a:avLst/>
@@ -11807,7 +11807,7 @@
         <p:spPr>
           <a:xfrm>
             <a:off x="900000" y="6840000"/>
-            <a:ext cx="6469560" cy="529560"/>
+            <a:ext cx="6469200" cy="529200"/>
           </a:xfrm>
           <a:prstGeom prst="rect">
             <a:avLst/>
@@ -11854,7 +11854,7 @@
         <p:spPr>
           <a:xfrm>
             <a:off x="180000" y="6840000"/>
-            <a:ext cx="529560" cy="529560"/>
+            <a:ext cx="529200" cy="529200"/>
           </a:xfrm>
           <a:prstGeom prst="rect">
             <a:avLst/>
@@ -12206,7 +12206,7 @@
         <p:spPr>
           <a:xfrm>
             <a:off x="0" y="180000"/>
-            <a:ext cx="9709560" cy="1249560"/>
+            <a:ext cx="9709200" cy="1249200"/>
           </a:xfrm>
           <a:prstGeom prst="rect">
             <a:avLst/>
@@ -12253,7 +12253,7 @@
         <p:spPr>
           <a:xfrm>
             <a:off x="7560000" y="6840000"/>
-            <a:ext cx="2509560" cy="529560"/>
+            <a:ext cx="2509200" cy="529200"/>
           </a:xfrm>
           <a:prstGeom prst="rect">
             <a:avLst/>
@@ -12300,7 +12300,7 @@
         <p:spPr>
           <a:xfrm>
             <a:off x="900000" y="6840000"/>
-            <a:ext cx="6469560" cy="529560"/>
+            <a:ext cx="6469200" cy="529200"/>
           </a:xfrm>
           <a:prstGeom prst="rect">
             <a:avLst/>
@@ -12347,7 +12347,7 @@
         <p:spPr>
           <a:xfrm>
             <a:off x="180000" y="6840000"/>
-            <a:ext cx="529560" cy="529560"/>
+            <a:ext cx="529200" cy="529200"/>
           </a:xfrm>
           <a:prstGeom prst="rect">
             <a:avLst/>
@@ -12699,7 +12699,7 @@
         <p:spPr>
           <a:xfrm>
             <a:off x="0" y="3150000"/>
-            <a:ext cx="9709560" cy="1249560"/>
+            <a:ext cx="9709200" cy="1249200"/>
           </a:xfrm>
           <a:prstGeom prst="rect">
             <a:avLst/>
@@ -13278,7 +13278,7 @@
         <p:spPr>
           <a:xfrm>
             <a:off x="0" y="180000"/>
-            <a:ext cx="9709560" cy="1249560"/>
+            <a:ext cx="9709200" cy="1249200"/>
           </a:xfrm>
           <a:prstGeom prst="rect">
             <a:avLst/>
@@ -13325,7 +13325,7 @@
         <p:spPr>
           <a:xfrm>
             <a:off x="7560000" y="6840000"/>
-            <a:ext cx="2509560" cy="529560"/>
+            <a:ext cx="2509200" cy="529200"/>
           </a:xfrm>
           <a:prstGeom prst="rect">
             <a:avLst/>
@@ -13372,7 +13372,7 @@
         <p:spPr>
           <a:xfrm>
             <a:off x="900000" y="6840000"/>
-            <a:ext cx="6469560" cy="529560"/>
+            <a:ext cx="6469200" cy="529200"/>
           </a:xfrm>
           <a:prstGeom prst="rect">
             <a:avLst/>
@@ -13419,7 +13419,7 @@
         <p:spPr>
           <a:xfrm>
             <a:off x="180000" y="6840000"/>
-            <a:ext cx="529560" cy="529560"/>
+            <a:ext cx="529200" cy="529200"/>
           </a:xfrm>
           <a:prstGeom prst="rect">
             <a:avLst/>
@@ -13996,7 +13996,7 @@
         <p:spPr>
           <a:xfrm>
             <a:off x="0" y="180000"/>
-            <a:ext cx="9709560" cy="1249560"/>
+            <a:ext cx="9709200" cy="1249200"/>
           </a:xfrm>
           <a:prstGeom prst="rect">
             <a:avLst/>
@@ -14043,7 +14043,7 @@
         <p:spPr>
           <a:xfrm>
             <a:off x="7560000" y="6840000"/>
-            <a:ext cx="2509560" cy="529560"/>
+            <a:ext cx="2509200" cy="529200"/>
           </a:xfrm>
           <a:prstGeom prst="rect">
             <a:avLst/>
@@ -14090,7 +14090,7 @@
         <p:spPr>
           <a:xfrm>
             <a:off x="900000" y="6840000"/>
-            <a:ext cx="6469560" cy="529560"/>
+            <a:ext cx="6469200" cy="529200"/>
           </a:xfrm>
           <a:prstGeom prst="rect">
             <a:avLst/>
@@ -14137,7 +14137,7 @@
         <p:spPr>
           <a:xfrm>
             <a:off x="180000" y="6840000"/>
-            <a:ext cx="529560" cy="529560"/>
+            <a:ext cx="529200" cy="529200"/>
           </a:xfrm>
           <a:prstGeom prst="rect">
             <a:avLst/>
@@ -14264,7 +14264,7 @@
         <p:spPr>
           <a:xfrm>
             <a:off x="0" y="180000"/>
-            <a:ext cx="9709560" cy="1249560"/>
+            <a:ext cx="9709200" cy="1249200"/>
           </a:xfrm>
           <a:prstGeom prst="rect">
             <a:avLst/>
@@ -14311,7 +14311,7 @@
         <p:spPr>
           <a:xfrm>
             <a:off x="7560000" y="6840000"/>
-            <a:ext cx="2509560" cy="529560"/>
+            <a:ext cx="2509200" cy="529200"/>
           </a:xfrm>
           <a:prstGeom prst="rect">
             <a:avLst/>
@@ -14358,7 +14358,7 @@
         <p:spPr>
           <a:xfrm>
             <a:off x="900000" y="6840000"/>
-            <a:ext cx="6469560" cy="529560"/>
+            <a:ext cx="6469200" cy="529200"/>
           </a:xfrm>
           <a:prstGeom prst="rect">
             <a:avLst/>
@@ -14405,7 +14405,7 @@
         <p:spPr>
           <a:xfrm>
             <a:off x="180000" y="6840000"/>
-            <a:ext cx="529560" cy="529560"/>
+            <a:ext cx="529200" cy="529200"/>
           </a:xfrm>
           <a:prstGeom prst="rect">
             <a:avLst/>
@@ -14483,7 +14483,7 @@
         <p:spPr>
           <a:xfrm>
             <a:off x="0" y="180000"/>
-            <a:ext cx="9709560" cy="1249560"/>
+            <a:ext cx="9709200" cy="1249200"/>
           </a:xfrm>
           <a:prstGeom prst="rect">
             <a:avLst/>
@@ -14530,7 +14530,7 @@
         <p:spPr>
           <a:xfrm>
             <a:off x="7560000" y="6840000"/>
-            <a:ext cx="2509560" cy="529560"/>
+            <a:ext cx="2509200" cy="529200"/>
           </a:xfrm>
           <a:prstGeom prst="rect">
             <a:avLst/>
@@ -14577,7 +14577,7 @@
         <p:spPr>
           <a:xfrm>
             <a:off x="900000" y="6840000"/>
-            <a:ext cx="6469560" cy="529560"/>
+            <a:ext cx="6469200" cy="529200"/>
           </a:xfrm>
           <a:prstGeom prst="rect">
             <a:avLst/>
@@ -14624,7 +14624,7 @@
         <p:spPr>
           <a:xfrm>
             <a:off x="180000" y="6840000"/>
-            <a:ext cx="529560" cy="529560"/>
+            <a:ext cx="529200" cy="529200"/>
           </a:xfrm>
           <a:prstGeom prst="rect">
             <a:avLst/>
@@ -15426,7 +15426,7 @@
         <p:spPr>
           <a:xfrm>
             <a:off x="0" y="180000"/>
-            <a:ext cx="9709560" cy="1249560"/>
+            <a:ext cx="9709200" cy="1249200"/>
           </a:xfrm>
           <a:prstGeom prst="rect">
             <a:avLst/>
@@ -15473,7 +15473,7 @@
         <p:spPr>
           <a:xfrm>
             <a:off x="7560000" y="6840000"/>
-            <a:ext cx="2509560" cy="529560"/>
+            <a:ext cx="2509200" cy="529200"/>
           </a:xfrm>
           <a:prstGeom prst="rect">
             <a:avLst/>
@@ -15520,7 +15520,7 @@
         <p:spPr>
           <a:xfrm>
             <a:off x="900000" y="6840000"/>
-            <a:ext cx="6469560" cy="529560"/>
+            <a:ext cx="6469200" cy="529200"/>
           </a:xfrm>
           <a:prstGeom prst="rect">
             <a:avLst/>
@@ -15567,7 +15567,7 @@
         <p:spPr>
           <a:xfrm>
             <a:off x="180000" y="6840000"/>
-            <a:ext cx="529560" cy="529560"/>
+            <a:ext cx="529200" cy="529200"/>
           </a:xfrm>
           <a:prstGeom prst="rect">
             <a:avLst/>
@@ -16369,7 +16369,7 @@
         <p:spPr>
           <a:xfrm>
             <a:off x="0" y="3150000"/>
-            <a:ext cx="9709560" cy="1249560"/>
+            <a:ext cx="9709200" cy="1249200"/>
           </a:xfrm>
           <a:prstGeom prst="rect">
             <a:avLst/>
@@ -17398,7 +17398,7 @@
         <p:spPr>
           <a:xfrm>
             <a:off x="0" y="3150000"/>
-            <a:ext cx="9709560" cy="1249560"/>
+            <a:ext cx="9709200" cy="1249200"/>
           </a:xfrm>
           <a:prstGeom prst="rect">
             <a:avLst/>
@@ -17478,7 +17478,7 @@
         <p:spPr>
           <a:xfrm>
             <a:off x="0" y="3150000"/>
-            <a:ext cx="9709560" cy="1249560"/>
+            <a:ext cx="9709200" cy="1249200"/>
           </a:xfrm>
           <a:prstGeom prst="rect">
             <a:avLst/>
@@ -17832,7 +17832,7 @@
         <p:spPr>
           <a:xfrm>
             <a:off x="0" y="3150000"/>
-            <a:ext cx="9709560" cy="1249560"/>
+            <a:ext cx="9709200" cy="1249200"/>
           </a:xfrm>
           <a:prstGeom prst="rect">
             <a:avLst/>
@@ -18186,7 +18186,7 @@
         <p:spPr>
           <a:xfrm>
             <a:off x="0" y="3150000"/>
-            <a:ext cx="9709560" cy="1249560"/>
+            <a:ext cx="9709200" cy="1249200"/>
           </a:xfrm>
           <a:prstGeom prst="rect">
             <a:avLst/>
@@ -18540,7 +18540,7 @@
         <p:spPr>
           <a:xfrm>
             <a:off x="0" y="3150000"/>
-            <a:ext cx="9709560" cy="1249560"/>
+            <a:ext cx="9709200" cy="1249200"/>
           </a:xfrm>
           <a:prstGeom prst="rect">
             <a:avLst/>
@@ -19119,7 +19119,7 @@
         <p:spPr>
           <a:xfrm>
             <a:off x="0" y="3150000"/>
-            <a:ext cx="9709560" cy="1249560"/>
+            <a:ext cx="9709200" cy="1249200"/>
           </a:xfrm>
           <a:prstGeom prst="rect">
             <a:avLst/>
@@ -19241,7 +19241,7 @@
         <p:spPr>
           <a:xfrm>
             <a:off x="360000" y="3330000"/>
-            <a:ext cx="9349560" cy="889560"/>
+            <a:ext cx="9349200" cy="889200"/>
           </a:xfrm>
           <a:prstGeom prst="rect">
             <a:avLst/>
@@ -19295,7 +19295,7 @@
         <p:spPr>
           <a:xfrm>
             <a:off x="540000" y="4680000"/>
-            <a:ext cx="9169560" cy="2509560"/>
+            <a:ext cx="9169200" cy="2509200"/>
           </a:xfrm>
           <a:prstGeom prst="rect">
             <a:avLst/>
@@ -19558,7 +19558,7 @@
         <p:spPr>
           <a:xfrm>
             <a:off x="360000" y="360000"/>
-            <a:ext cx="9349560" cy="889560"/>
+            <a:ext cx="9349200" cy="889200"/>
           </a:xfrm>
           <a:prstGeom prst="rect">
             <a:avLst/>
@@ -19612,7 +19612,7 @@
         <p:spPr>
           <a:xfrm>
             <a:off x="360000" y="1980000"/>
-            <a:ext cx="9169560" cy="4669560"/>
+            <a:ext cx="9169200" cy="4669200"/>
           </a:xfrm>
           <a:prstGeom prst="rect">
             <a:avLst/>
@@ -19675,7 +19675,7 @@
         <p:spPr>
           <a:xfrm>
             <a:off x="897120" y="6886080"/>
-            <a:ext cx="6436800" cy="354600"/>
+            <a:ext cx="6436440" cy="354240"/>
           </a:xfrm>
           <a:prstGeom prst="rect">
             <a:avLst/>
@@ -19729,7 +19729,7 @@
         <p:spPr>
           <a:xfrm>
             <a:off x="7608600" y="6886080"/>
-            <a:ext cx="2274840" cy="354600"/>
+            <a:ext cx="2274480" cy="354240"/>
           </a:xfrm>
           <a:prstGeom prst="rect">
             <a:avLst/>
@@ -19783,7 +19783,7 @@
         <p:spPr>
           <a:xfrm>
             <a:off x="327960" y="1553760"/>
-            <a:ext cx="9190800" cy="5125320"/>
+            <a:ext cx="9190440" cy="5124960"/>
           </a:xfrm>
           <a:prstGeom prst="rect">
             <a:avLst/>
@@ -20187,7 +20187,7 @@
         <p:spPr>
           <a:xfrm>
             <a:off x="360000" y="360000"/>
-            <a:ext cx="9349560" cy="889560"/>
+            <a:ext cx="9349200" cy="889200"/>
           </a:xfrm>
           <a:prstGeom prst="rect">
             <a:avLst/>
@@ -20241,7 +20241,7 @@
         <p:spPr>
           <a:xfrm>
             <a:off x="360000" y="1980000"/>
-            <a:ext cx="9169560" cy="4669560"/>
+            <a:ext cx="9169200" cy="4669200"/>
           </a:xfrm>
           <a:prstGeom prst="rect">
             <a:avLst/>
@@ -20304,7 +20304,7 @@
         <p:spPr>
           <a:xfrm>
             <a:off x="897120" y="6886080"/>
-            <a:ext cx="6436800" cy="354600"/>
+            <a:ext cx="6436440" cy="354240"/>
           </a:xfrm>
           <a:prstGeom prst="rect">
             <a:avLst/>
@@ -20358,7 +20358,7 @@
         <p:spPr>
           <a:xfrm>
             <a:off x="7608600" y="6886080"/>
-            <a:ext cx="2274840" cy="354600"/>
+            <a:ext cx="2274480" cy="354240"/>
           </a:xfrm>
           <a:prstGeom prst="rect">
             <a:avLst/>
@@ -20412,7 +20412,7 @@
         <p:spPr>
           <a:xfrm>
             <a:off x="327600" y="1553760"/>
-            <a:ext cx="9190800" cy="5125320"/>
+            <a:ext cx="9190440" cy="5124960"/>
           </a:xfrm>
           <a:prstGeom prst="rect">
             <a:avLst/>
@@ -20714,7 +20714,7 @@
         <p:spPr>
           <a:xfrm>
             <a:off x="3501720" y="1623960"/>
-            <a:ext cx="6262560" cy="351720"/>
+            <a:ext cx="6262200" cy="351360"/>
           </a:xfrm>
           <a:prstGeom prst="rect">
             <a:avLst/>
@@ -20772,7 +20772,7 @@
         <p:spPr>
           <a:xfrm>
             <a:off x="5984280" y="1973520"/>
-            <a:ext cx="3582000" cy="4799520"/>
+            <a:ext cx="3581640" cy="4799160"/>
           </a:xfrm>
           <a:prstGeom prst="rect">
             <a:avLst/>
@@ -20795,7 +20795,7 @@
         <p:spPr>
           <a:xfrm>
             <a:off x="540000" y="1553760"/>
-            <a:ext cx="2052720" cy="576000"/>
+            <a:ext cx="2052360" cy="575640"/>
           </a:xfrm>
           <a:prstGeom prst="rect">
             <a:avLst/>
@@ -20844,7 +20844,7 @@
         <p:spPr>
           <a:xfrm>
             <a:off x="360000" y="360000"/>
-            <a:ext cx="9349560" cy="889560"/>
+            <a:ext cx="9349200" cy="889200"/>
           </a:xfrm>
           <a:prstGeom prst="rect">
             <a:avLst/>
@@ -20898,7 +20898,7 @@
         <p:spPr>
           <a:xfrm>
             <a:off x="360000" y="1980000"/>
-            <a:ext cx="9169560" cy="4669560"/>
+            <a:ext cx="9169200" cy="4669200"/>
           </a:xfrm>
           <a:prstGeom prst="rect">
             <a:avLst/>
@@ -20961,7 +20961,7 @@
         <p:spPr>
           <a:xfrm>
             <a:off x="897120" y="6886080"/>
-            <a:ext cx="6436800" cy="354600"/>
+            <a:ext cx="6436440" cy="354240"/>
           </a:xfrm>
           <a:prstGeom prst="rect">
             <a:avLst/>
@@ -21015,7 +21015,7 @@
         <p:spPr>
           <a:xfrm>
             <a:off x="7608600" y="6886080"/>
-            <a:ext cx="2274840" cy="354600"/>
+            <a:ext cx="2274480" cy="354240"/>
           </a:xfrm>
           <a:prstGeom prst="rect">
             <a:avLst/>
@@ -21069,7 +21069,7 @@
         <p:spPr>
           <a:xfrm>
             <a:off x="327600" y="1553760"/>
-            <a:ext cx="9190800" cy="5125320"/>
+            <a:ext cx="9190440" cy="5124960"/>
           </a:xfrm>
           <a:prstGeom prst="rect">
             <a:avLst/>
@@ -21576,7 +21576,7 @@
         <p:spPr>
           <a:xfrm>
             <a:off x="6247080" y="2325600"/>
-            <a:ext cx="3319200" cy="4447440"/>
+            <a:ext cx="3318840" cy="4447080"/>
           </a:xfrm>
           <a:prstGeom prst="rect">
             <a:avLst/>
@@ -21595,7 +21595,7 @@
         <p:spPr>
           <a:xfrm>
             <a:off x="3501720" y="1623960"/>
-            <a:ext cx="6262560" cy="351720"/>
+            <a:ext cx="6262200" cy="351360"/>
           </a:xfrm>
           <a:prstGeom prst="rect">
             <a:avLst/>
@@ -21653,7 +21653,7 @@
         <p:spPr>
           <a:xfrm>
             <a:off x="540360" y="1554120"/>
-            <a:ext cx="1438560" cy="403560"/>
+            <a:ext cx="1438200" cy="403200"/>
           </a:xfrm>
           <a:prstGeom prst="rect">
             <a:avLst/>
@@ -21702,7 +21702,7 @@
         <p:spPr>
           <a:xfrm>
             <a:off x="360000" y="360000"/>
-            <a:ext cx="9349560" cy="889560"/>
+            <a:ext cx="9349200" cy="889200"/>
           </a:xfrm>
           <a:prstGeom prst="rect">
             <a:avLst/>
@@ -21756,7 +21756,7 @@
         <p:spPr>
           <a:xfrm>
             <a:off x="897120" y="6886080"/>
-            <a:ext cx="6436800" cy="354600"/>
+            <a:ext cx="6436440" cy="354240"/>
           </a:xfrm>
           <a:prstGeom prst="rect">
             <a:avLst/>
@@ -21810,7 +21810,7 @@
         <p:spPr>
           <a:xfrm>
             <a:off x="7608600" y="6886080"/>
-            <a:ext cx="2274840" cy="354600"/>
+            <a:ext cx="2274480" cy="354240"/>
           </a:xfrm>
           <a:prstGeom prst="rect">
             <a:avLst/>
@@ -21864,7 +21864,7 @@
         <p:spPr>
           <a:xfrm>
             <a:off x="327600" y="1553760"/>
-            <a:ext cx="9190800" cy="5125320"/>
+            <a:ext cx="9190440" cy="5124960"/>
           </a:xfrm>
           <a:prstGeom prst="rect">
             <a:avLst/>
@@ -22415,7 +22415,7 @@
         <p:spPr>
           <a:xfrm>
             <a:off x="6463800" y="2325600"/>
-            <a:ext cx="3102480" cy="4156920"/>
+            <a:ext cx="3102120" cy="4156560"/>
           </a:xfrm>
           <a:prstGeom prst="rect">
             <a:avLst/>
@@ -22434,7 +22434,7 @@
         <p:spPr>
           <a:xfrm>
             <a:off x="3501720" y="1623960"/>
-            <a:ext cx="6262560" cy="351720"/>
+            <a:ext cx="6262200" cy="351360"/>
           </a:xfrm>
           <a:prstGeom prst="rect">
             <a:avLst/>
@@ -22492,7 +22492,7 @@
         <p:spPr>
           <a:xfrm>
             <a:off x="540720" y="1554120"/>
-            <a:ext cx="1438560" cy="403560"/>
+            <a:ext cx="1438200" cy="403200"/>
           </a:xfrm>
           <a:prstGeom prst="rect">
             <a:avLst/>
@@ -22541,7 +22541,7 @@
         <p:spPr>
           <a:xfrm>
             <a:off x="360000" y="360000"/>
-            <a:ext cx="9349560" cy="889560"/>
+            <a:ext cx="9349200" cy="889200"/>
           </a:xfrm>
           <a:prstGeom prst="rect">
             <a:avLst/>
@@ -22595,7 +22595,7 @@
         <p:spPr>
           <a:xfrm>
             <a:off x="360000" y="1980000"/>
-            <a:ext cx="9169560" cy="4669560"/>
+            <a:ext cx="9169200" cy="4669200"/>
           </a:xfrm>
           <a:prstGeom prst="rect">
             <a:avLst/>
@@ -22658,7 +22658,7 @@
         <p:spPr>
           <a:xfrm>
             <a:off x="897120" y="6886080"/>
-            <a:ext cx="6436800" cy="354600"/>
+            <a:ext cx="6436440" cy="354240"/>
           </a:xfrm>
           <a:prstGeom prst="rect">
             <a:avLst/>
@@ -22712,7 +22712,7 @@
         <p:spPr>
           <a:xfrm>
             <a:off x="7608600" y="6886080"/>
-            <a:ext cx="2274840" cy="354600"/>
+            <a:ext cx="2274480" cy="354240"/>
           </a:xfrm>
           <a:prstGeom prst="rect">
             <a:avLst/>
@@ -22766,7 +22766,7 @@
         <p:spPr>
           <a:xfrm>
             <a:off x="327960" y="1553760"/>
-            <a:ext cx="9190800" cy="5125320"/>
+            <a:ext cx="9190440" cy="5124960"/>
           </a:xfrm>
           <a:prstGeom prst="rect">
             <a:avLst/>
@@ -23099,7 +23099,7 @@
         <p:spPr>
           <a:xfrm>
             <a:off x="6275160" y="2185560"/>
-            <a:ext cx="3319200" cy="4447440"/>
+            <a:ext cx="3318840" cy="4447080"/>
           </a:xfrm>
           <a:prstGeom prst="rect">
             <a:avLst/>
@@ -23118,7 +23118,7 @@
         <p:spPr>
           <a:xfrm>
             <a:off x="3501720" y="1623960"/>
-            <a:ext cx="6262560" cy="351720"/>
+            <a:ext cx="6262200" cy="351360"/>
           </a:xfrm>
           <a:prstGeom prst="rect">
             <a:avLst/>
@@ -23176,7 +23176,7 @@
         <p:spPr>
           <a:xfrm>
             <a:off x="540720" y="1554120"/>
-            <a:ext cx="1438560" cy="403560"/>
+            <a:ext cx="1438200" cy="403200"/>
           </a:xfrm>
           <a:prstGeom prst="rect">
             <a:avLst/>
@@ -23225,7 +23225,7 @@
         <p:spPr>
           <a:xfrm>
             <a:off x="360000" y="360000"/>
-            <a:ext cx="9349560" cy="889560"/>
+            <a:ext cx="9349200" cy="889200"/>
           </a:xfrm>
           <a:prstGeom prst="rect">
             <a:avLst/>
@@ -23279,7 +23279,7 @@
         <p:spPr>
           <a:xfrm>
             <a:off x="360000" y="1980000"/>
-            <a:ext cx="9169560" cy="4669560"/>
+            <a:ext cx="9169200" cy="4669200"/>
           </a:xfrm>
           <a:prstGeom prst="rect">
             <a:avLst/>
@@ -23342,7 +23342,7 @@
         <p:spPr>
           <a:xfrm>
             <a:off x="897120" y="6886080"/>
-            <a:ext cx="6436800" cy="354600"/>
+            <a:ext cx="6436440" cy="354240"/>
           </a:xfrm>
           <a:prstGeom prst="rect">
             <a:avLst/>
@@ -23396,7 +23396,7 @@
         <p:spPr>
           <a:xfrm>
             <a:off x="7608600" y="6886080"/>
-            <a:ext cx="2274840" cy="354600"/>
+            <a:ext cx="2274480" cy="354240"/>
           </a:xfrm>
           <a:prstGeom prst="rect">
             <a:avLst/>
@@ -23450,7 +23450,7 @@
         <p:spPr>
           <a:xfrm>
             <a:off x="327960" y="1553760"/>
-            <a:ext cx="9190800" cy="5125320"/>
+            <a:ext cx="9190440" cy="5124960"/>
           </a:xfrm>
           <a:prstGeom prst="rect">
             <a:avLst/>
@@ -23656,7 +23656,7 @@
         <p:spPr>
           <a:xfrm>
             <a:off x="3060000" y="3918600"/>
-            <a:ext cx="4549680" cy="2778120"/>
+            <a:ext cx="4549320" cy="2777760"/>
           </a:xfrm>
           <a:prstGeom prst="rect">
             <a:avLst/>
@@ -23705,7 +23705,7 @@
         <p:spPr>
           <a:xfrm>
             <a:off x="360000" y="360000"/>
-            <a:ext cx="9349560" cy="889560"/>
+            <a:ext cx="9349200" cy="889200"/>
           </a:xfrm>
           <a:prstGeom prst="rect">
             <a:avLst/>
@@ -23759,7 +23759,7 @@
         <p:spPr>
           <a:xfrm>
             <a:off x="360000" y="1980000"/>
-            <a:ext cx="9169560" cy="4669560"/>
+            <a:ext cx="9169200" cy="4669200"/>
           </a:xfrm>
           <a:prstGeom prst="rect">
             <a:avLst/>
@@ -23822,7 +23822,7 @@
         <p:spPr>
           <a:xfrm>
             <a:off x="897120" y="6886080"/>
-            <a:ext cx="6436800" cy="354600"/>
+            <a:ext cx="6436440" cy="354240"/>
           </a:xfrm>
           <a:prstGeom prst="rect">
             <a:avLst/>
@@ -23876,7 +23876,7 @@
         <p:spPr>
           <a:xfrm>
             <a:off x="7608600" y="6886080"/>
-            <a:ext cx="2274840" cy="354600"/>
+            <a:ext cx="2274480" cy="354240"/>
           </a:xfrm>
           <a:prstGeom prst="rect">
             <a:avLst/>
@@ -23930,7 +23930,7 @@
         <p:spPr>
           <a:xfrm>
             <a:off x="327960" y="1553760"/>
-            <a:ext cx="9190800" cy="5125320"/>
+            <a:ext cx="9190440" cy="5124960"/>
           </a:xfrm>
           <a:prstGeom prst="rect">
             <a:avLst/>
@@ -24233,7 +24233,7 @@
         <p:spPr>
           <a:xfrm>
             <a:off x="360000" y="360000"/>
-            <a:ext cx="9349560" cy="889560"/>
+            <a:ext cx="9349200" cy="889200"/>
           </a:xfrm>
           <a:prstGeom prst="rect">
             <a:avLst/>
@@ -24287,7 +24287,7 @@
         <p:spPr>
           <a:xfrm>
             <a:off x="360000" y="1980000"/>
-            <a:ext cx="9169560" cy="4669560"/>
+            <a:ext cx="9169200" cy="4669200"/>
           </a:xfrm>
           <a:prstGeom prst="rect">
             <a:avLst/>
@@ -24350,7 +24350,7 @@
         <p:spPr>
           <a:xfrm>
             <a:off x="897120" y="6886080"/>
-            <a:ext cx="6436800" cy="354600"/>
+            <a:ext cx="6436440" cy="354240"/>
           </a:xfrm>
           <a:prstGeom prst="rect">
             <a:avLst/>
@@ -24404,7 +24404,7 @@
         <p:spPr>
           <a:xfrm>
             <a:off x="7608600" y="6886080"/>
-            <a:ext cx="2274840" cy="354600"/>
+            <a:ext cx="2274480" cy="354240"/>
           </a:xfrm>
           <a:prstGeom prst="rect">
             <a:avLst/>
@@ -24458,7 +24458,7 @@
         <p:spPr>
           <a:xfrm>
             <a:off x="327960" y="1553760"/>
-            <a:ext cx="9190800" cy="5125320"/>
+            <a:ext cx="9190440" cy="5124960"/>
           </a:xfrm>
           <a:prstGeom prst="rect">
             <a:avLst/>
@@ -24553,7 +24553,7 @@
                 <a:ea typeface="DejaVu Sans"/>
                 <a:hlinkClick r:id="rId1"/>
               </a:rPr>
-              <a:t>Tópico_02_Aprendizado_Supervisionado_Arvores_Decisão.ipynb</a:t>
+              <a:t>Tópico_03_Aprendizado_Supervisionado_Arvores_Decisão.ipynb</a:t>
             </a:r>
             <a:endParaRPr b="0" lang="en-US" sz="1800" spc="-1" strike="noStrike">
               <a:solidFill>
@@ -24642,7 +24642,7 @@
         <p:spPr>
           <a:xfrm>
             <a:off x="360000" y="360000"/>
-            <a:ext cx="9349560" cy="889560"/>
+            <a:ext cx="9349200" cy="889200"/>
           </a:xfrm>
           <a:prstGeom prst="rect">
             <a:avLst/>
@@ -24696,7 +24696,7 @@
         <p:spPr>
           <a:xfrm>
             <a:off x="360000" y="1980000"/>
-            <a:ext cx="9169560" cy="4669560"/>
+            <a:ext cx="9169200" cy="4669200"/>
           </a:xfrm>
           <a:prstGeom prst="rect">
             <a:avLst/>
@@ -24903,7 +24903,7 @@
         <p:spPr>
           <a:xfrm>
             <a:off x="897120" y="6886080"/>
-            <a:ext cx="6436800" cy="354600"/>
+            <a:ext cx="6436440" cy="354240"/>
           </a:xfrm>
           <a:prstGeom prst="rect">
             <a:avLst/>
@@ -24957,7 +24957,7 @@
         <p:spPr>
           <a:xfrm>
             <a:off x="7608600" y="6886080"/>
-            <a:ext cx="2274840" cy="354600"/>
+            <a:ext cx="2274480" cy="354240"/>
           </a:xfrm>
           <a:prstGeom prst="rect">
             <a:avLst/>
@@ -25041,7 +25041,7 @@
         <p:spPr>
           <a:xfrm>
             <a:off x="360000" y="360000"/>
-            <a:ext cx="9349560" cy="889560"/>
+            <a:ext cx="9349200" cy="889200"/>
           </a:xfrm>
           <a:prstGeom prst="rect">
             <a:avLst/>
@@ -25095,7 +25095,7 @@
         <p:spPr>
           <a:xfrm>
             <a:off x="360000" y="1980000"/>
-            <a:ext cx="9169560" cy="4669560"/>
+            <a:ext cx="9169200" cy="4669200"/>
           </a:xfrm>
           <a:prstGeom prst="rect">
             <a:avLst/>
@@ -25158,7 +25158,7 @@
         <p:spPr>
           <a:xfrm>
             <a:off x="897120" y="6886080"/>
-            <a:ext cx="6436800" cy="354600"/>
+            <a:ext cx="6436440" cy="354240"/>
           </a:xfrm>
           <a:prstGeom prst="rect">
             <a:avLst/>
@@ -25212,7 +25212,7 @@
         <p:spPr>
           <a:xfrm>
             <a:off x="7608600" y="6886080"/>
-            <a:ext cx="2274840" cy="354600"/>
+            <a:ext cx="2274480" cy="354240"/>
           </a:xfrm>
           <a:prstGeom prst="rect">
             <a:avLst/>
@@ -25266,7 +25266,7 @@
         <p:spPr>
           <a:xfrm>
             <a:off x="342360" y="1529280"/>
-            <a:ext cx="6770880" cy="5359320"/>
+            <a:ext cx="6770520" cy="5358960"/>
           </a:xfrm>
           <a:prstGeom prst="rect">
             <a:avLst/>
@@ -25519,7 +25519,7 @@
         <p:spPr>
           <a:xfrm>
             <a:off x="4114800" y="2372760"/>
-            <a:ext cx="3330360" cy="2884680"/>
+            <a:ext cx="3330000" cy="2884320"/>
           </a:xfrm>
           <a:prstGeom prst="rect">
             <a:avLst/>
@@ -25568,7 +25568,7 @@
         <p:spPr>
           <a:xfrm>
             <a:off x="360000" y="360000"/>
-            <a:ext cx="9349560" cy="889560"/>
+            <a:ext cx="9349200" cy="889200"/>
           </a:xfrm>
           <a:prstGeom prst="rect">
             <a:avLst/>
@@ -25622,7 +25622,7 @@
         <p:spPr>
           <a:xfrm>
             <a:off x="360000" y="1980000"/>
-            <a:ext cx="9169560" cy="4669560"/>
+            <a:ext cx="9169200" cy="4669200"/>
           </a:xfrm>
           <a:prstGeom prst="rect">
             <a:avLst/>
@@ -25685,7 +25685,7 @@
         <p:spPr>
           <a:xfrm>
             <a:off x="897120" y="6886080"/>
-            <a:ext cx="6436800" cy="354600"/>
+            <a:ext cx="6436440" cy="354240"/>
           </a:xfrm>
           <a:prstGeom prst="rect">
             <a:avLst/>
@@ -25739,7 +25739,7 @@
         <p:spPr>
           <a:xfrm>
             <a:off x="7608600" y="6886080"/>
-            <a:ext cx="2274840" cy="354600"/>
+            <a:ext cx="2274480" cy="354240"/>
           </a:xfrm>
           <a:prstGeom prst="rect">
             <a:avLst/>
@@ -25793,7 +25793,7 @@
         <p:spPr>
           <a:xfrm>
             <a:off x="327960" y="1553760"/>
-            <a:ext cx="9190800" cy="5125320"/>
+            <a:ext cx="9190440" cy="5124960"/>
           </a:xfrm>
           <a:prstGeom prst="rect">
             <a:avLst/>
@@ -25938,7 +25938,7 @@
         <p:spPr>
           <a:xfrm>
             <a:off x="2171520" y="2815560"/>
-            <a:ext cx="6130800" cy="3835440"/>
+            <a:ext cx="6130440" cy="3835080"/>
           </a:xfrm>
           <a:prstGeom prst="rect">
             <a:avLst/>
@@ -25991,7 +25991,7 @@
         <p:spPr>
           <a:xfrm>
             <a:off x="5091120" y="3344040"/>
-            <a:ext cx="4549680" cy="2778120"/>
+            <a:ext cx="4549320" cy="2777760"/>
           </a:xfrm>
           <a:prstGeom prst="rect">
             <a:avLst/>
@@ -26010,7 +26010,7 @@
         <p:spPr>
           <a:xfrm>
             <a:off x="360000" y="360000"/>
-            <a:ext cx="9349560" cy="889560"/>
+            <a:ext cx="9349200" cy="889200"/>
           </a:xfrm>
           <a:prstGeom prst="rect">
             <a:avLst/>
@@ -26064,7 +26064,7 @@
         <p:spPr>
           <a:xfrm>
             <a:off x="360000" y="1980000"/>
-            <a:ext cx="9169560" cy="4669560"/>
+            <a:ext cx="9169200" cy="4669200"/>
           </a:xfrm>
           <a:prstGeom prst="rect">
             <a:avLst/>
@@ -26127,7 +26127,7 @@
         <p:spPr>
           <a:xfrm>
             <a:off x="897120" y="6886080"/>
-            <a:ext cx="6436800" cy="354600"/>
+            <a:ext cx="6436440" cy="354240"/>
           </a:xfrm>
           <a:prstGeom prst="rect">
             <a:avLst/>
@@ -26181,7 +26181,7 @@
         <p:spPr>
           <a:xfrm>
             <a:off x="7608600" y="6886080"/>
-            <a:ext cx="2274840" cy="354600"/>
+            <a:ext cx="2274480" cy="354240"/>
           </a:xfrm>
           <a:prstGeom prst="rect">
             <a:avLst/>
@@ -26235,7 +26235,7 @@
         <p:spPr>
           <a:xfrm>
             <a:off x="327960" y="1553760"/>
-            <a:ext cx="9190800" cy="5125320"/>
+            <a:ext cx="9190440" cy="5124960"/>
           </a:xfrm>
           <a:prstGeom prst="rect">
             <a:avLst/>
@@ -26380,7 +26380,7 @@
         <p:spPr>
           <a:xfrm>
             <a:off x="505440" y="2927160"/>
-            <a:ext cx="3650040" cy="3331080"/>
+            <a:ext cx="3649680" cy="3330720"/>
           </a:xfrm>
           <a:prstGeom prst="rect">
             <a:avLst/>
@@ -26399,7 +26399,7 @@
         <p:spPr>
           <a:xfrm>
             <a:off x="4343400" y="3429000"/>
-            <a:ext cx="1371240" cy="685440"/>
+            <a:ext cx="1370880" cy="685080"/>
           </a:xfrm>
           <a:prstGeom prst="rightArrow">
             <a:avLst>
@@ -26490,7 +26490,7 @@
         <p:spPr>
           <a:xfrm>
             <a:off x="360000" y="360000"/>
-            <a:ext cx="9349560" cy="889560"/>
+            <a:ext cx="9349200" cy="889200"/>
           </a:xfrm>
           <a:prstGeom prst="rect">
             <a:avLst/>
@@ -26544,7 +26544,7 @@
         <p:spPr>
           <a:xfrm>
             <a:off x="360000" y="1980000"/>
-            <a:ext cx="9169560" cy="4669560"/>
+            <a:ext cx="9169200" cy="4669200"/>
           </a:xfrm>
           <a:prstGeom prst="rect">
             <a:avLst/>
@@ -26607,7 +26607,7 @@
         <p:spPr>
           <a:xfrm>
             <a:off x="897120" y="6886080"/>
-            <a:ext cx="6436800" cy="354600"/>
+            <a:ext cx="6436440" cy="354240"/>
           </a:xfrm>
           <a:prstGeom prst="rect">
             <a:avLst/>
@@ -26661,7 +26661,7 @@
         <p:spPr>
           <a:xfrm>
             <a:off x="7608600" y="6886080"/>
-            <a:ext cx="2274840" cy="354600"/>
+            <a:ext cx="2274480" cy="354240"/>
           </a:xfrm>
           <a:prstGeom prst="rect">
             <a:avLst/>
@@ -26715,7 +26715,7 @@
         <p:spPr>
           <a:xfrm>
             <a:off x="327960" y="1553760"/>
-            <a:ext cx="9190800" cy="5125320"/>
+            <a:ext cx="9190440" cy="5124960"/>
           </a:xfrm>
           <a:prstGeom prst="rect">
             <a:avLst/>
@@ -26973,7 +26973,7 @@
         <p:spPr>
           <a:xfrm>
             <a:off x="1345680" y="3785400"/>
-            <a:ext cx="2772720" cy="778320"/>
+            <a:ext cx="2772360" cy="777960"/>
           </a:xfrm>
           <a:prstGeom prst="rect">
             <a:avLst/>
@@ -27022,7 +27022,7 @@
         <p:spPr>
           <a:xfrm>
             <a:off x="360000" y="360000"/>
-            <a:ext cx="9349560" cy="889560"/>
+            <a:ext cx="9349200" cy="889200"/>
           </a:xfrm>
           <a:prstGeom prst="rect">
             <a:avLst/>
@@ -27076,7 +27076,7 @@
         <p:spPr>
           <a:xfrm>
             <a:off x="360000" y="1980000"/>
-            <a:ext cx="9169560" cy="4669560"/>
+            <a:ext cx="9169200" cy="4669200"/>
           </a:xfrm>
           <a:prstGeom prst="rect">
             <a:avLst/>
@@ -27139,7 +27139,7 @@
         <p:spPr>
           <a:xfrm>
             <a:off x="897120" y="6886080"/>
-            <a:ext cx="6436800" cy="354600"/>
+            <a:ext cx="6436440" cy="354240"/>
           </a:xfrm>
           <a:prstGeom prst="rect">
             <a:avLst/>
@@ -27193,7 +27193,7 @@
         <p:spPr>
           <a:xfrm>
             <a:off x="7608600" y="6886080"/>
-            <a:ext cx="2274840" cy="354600"/>
+            <a:ext cx="2274480" cy="354240"/>
           </a:xfrm>
           <a:prstGeom prst="rect">
             <a:avLst/>
@@ -27247,7 +27247,7 @@
         <p:spPr>
           <a:xfrm>
             <a:off x="327960" y="1517760"/>
-            <a:ext cx="9190800" cy="5125320"/>
+            <a:ext cx="9190440" cy="5124960"/>
           </a:xfrm>
           <a:prstGeom prst="rect">
             <a:avLst/>
@@ -27635,7 +27635,7 @@
         <p:spPr>
           <a:xfrm>
             <a:off x="757440" y="2510640"/>
-            <a:ext cx="2772720" cy="778320"/>
+            <a:ext cx="2772360" cy="777960"/>
           </a:xfrm>
           <a:prstGeom prst="rect">
             <a:avLst/>
@@ -27689,7 +27689,7 @@
         <p:spPr>
           <a:xfrm>
             <a:off x="6386040" y="4146480"/>
-            <a:ext cx="2930760" cy="2560320"/>
+            <a:ext cx="2930400" cy="2559960"/>
           </a:xfrm>
           <a:prstGeom prst="rect">
             <a:avLst/>
@@ -27708,7 +27708,7 @@
         <p:spPr>
           <a:xfrm>
             <a:off x="360000" y="360000"/>
-            <a:ext cx="9349560" cy="889560"/>
+            <a:ext cx="9349200" cy="889200"/>
           </a:xfrm>
           <a:prstGeom prst="rect">
             <a:avLst/>
@@ -27762,7 +27762,7 @@
         <p:spPr>
           <a:xfrm>
             <a:off x="360000" y="1980000"/>
-            <a:ext cx="9169560" cy="4669560"/>
+            <a:ext cx="9169200" cy="4669200"/>
           </a:xfrm>
           <a:prstGeom prst="rect">
             <a:avLst/>
@@ -27825,7 +27825,7 @@
         <p:spPr>
           <a:xfrm>
             <a:off x="897120" y="6886080"/>
-            <a:ext cx="6436800" cy="354600"/>
+            <a:ext cx="6436440" cy="354240"/>
           </a:xfrm>
           <a:prstGeom prst="rect">
             <a:avLst/>
@@ -27879,7 +27879,7 @@
         <p:spPr>
           <a:xfrm>
             <a:off x="7608600" y="6886080"/>
-            <a:ext cx="2274840" cy="354600"/>
+            <a:ext cx="2274480" cy="354240"/>
           </a:xfrm>
           <a:prstGeom prst="rect">
             <a:avLst/>
@@ -27933,7 +27933,7 @@
         <p:spPr>
           <a:xfrm>
             <a:off x="327960" y="1553760"/>
-            <a:ext cx="9190800" cy="5125320"/>
+            <a:ext cx="9190440" cy="5124960"/>
           </a:xfrm>
           <a:prstGeom prst="rect">
             <a:avLst/>
@@ -28473,7 +28473,7 @@
         <p:spPr>
           <a:xfrm>
             <a:off x="1037520" y="3120840"/>
-            <a:ext cx="2405160" cy="675000"/>
+            <a:ext cx="2404800" cy="674640"/>
           </a:xfrm>
           <a:prstGeom prst="rect">
             <a:avLst/>
@@ -28496,7 +28496,7 @@
         <p:spPr>
           <a:xfrm>
             <a:off x="5196600" y="1924920"/>
-            <a:ext cx="4406760" cy="1799280"/>
+            <a:ext cx="4406400" cy="1798920"/>
           </a:xfrm>
           <a:prstGeom prst="rect">
             <a:avLst/>
@@ -28545,7 +28545,7 @@
         <p:spPr>
           <a:xfrm>
             <a:off x="360000" y="360000"/>
-            <a:ext cx="9349560" cy="889560"/>
+            <a:ext cx="9349200" cy="889200"/>
           </a:xfrm>
           <a:prstGeom prst="rect">
             <a:avLst/>
@@ -28599,7 +28599,7 @@
         <p:spPr>
           <a:xfrm>
             <a:off x="360000" y="1980000"/>
-            <a:ext cx="9169560" cy="4669560"/>
+            <a:ext cx="9169200" cy="4669200"/>
           </a:xfrm>
           <a:prstGeom prst="rect">
             <a:avLst/>
@@ -28662,7 +28662,7 @@
         <p:spPr>
           <a:xfrm>
             <a:off x="897120" y="6886080"/>
-            <a:ext cx="6436800" cy="354600"/>
+            <a:ext cx="6436440" cy="354240"/>
           </a:xfrm>
           <a:prstGeom prst="rect">
             <a:avLst/>
@@ -28716,7 +28716,7 @@
         <p:spPr>
           <a:xfrm>
             <a:off x="7608600" y="6886080"/>
-            <a:ext cx="2274840" cy="354600"/>
+            <a:ext cx="2274480" cy="354240"/>
           </a:xfrm>
           <a:prstGeom prst="rect">
             <a:avLst/>
@@ -28770,7 +28770,7 @@
         <p:spPr>
           <a:xfrm>
             <a:off x="327960" y="1553760"/>
-            <a:ext cx="9190800" cy="5125320"/>
+            <a:ext cx="9190440" cy="5124960"/>
           </a:xfrm>
           <a:prstGeom prst="rect">
             <a:avLst/>

--- a/[ESPEC] Fundamentos Aprendizagem Máquina/Tópico 03 - Aprendizado-Supervisionado - Arvores/Tópico 03 - Aprendizado-Supervisionado - Arvores.pptx
+++ b/[ESPEC] Fundamentos Aprendizagem Máquina/Tópico 03 - Aprendizado-Supervisionado - Arvores/Tópico 03 - Aprendizado-Supervisionado - Arvores.pptx
@@ -378,7 +378,7 @@
             <a:pPr indent="0" algn="r">
               <a:buNone/>
             </a:pPr>
-            <a:fld id="{22CF04DC-7304-4178-9662-F4E203B6F5C8}" type="slidenum">
+            <a:fld id="{027907AF-5B98-4F63-A5D6-01E542772B54}" type="slidenum">
               <a:rPr b="0" lang="en-US" sz="1400" spc="-1" strike="noStrike">
                 <a:solidFill>
                   <a:srgbClr val="000000"/>
@@ -421,7 +421,7 @@
       </p:grpSpPr>
       <p:sp>
         <p:nvSpPr>
-          <p:cNvPr id="285" name="PlaceHolder 1"/>
+          <p:cNvPr id="286" name="PlaceHolder 1"/>
           <p:cNvSpPr>
             <a:spLocks noGrp="1"/>
           </p:cNvSpPr>
@@ -432,7 +432,7 @@
         <p:spPr>
           <a:xfrm>
             <a:off x="1376280" y="1336680"/>
-            <a:ext cx="4796640" cy="3596400"/>
+            <a:ext cx="4796280" cy="3596040"/>
           </a:xfrm>
           <a:prstGeom prst="rect">
             <a:avLst/>
@@ -444,7 +444,7 @@
       </p:sp>
       <p:sp>
         <p:nvSpPr>
-          <p:cNvPr id="286" name="PlaceHolder 2"/>
+          <p:cNvPr id="287" name="PlaceHolder 2"/>
           <p:cNvSpPr>
             <a:spLocks noGrp="1"/>
           </p:cNvSpPr>
@@ -455,7 +455,7 @@
         <p:spPr>
           <a:xfrm>
             <a:off x="756000" y="5145120"/>
-            <a:ext cx="6036840" cy="4199040"/>
+            <a:ext cx="6036480" cy="4198680"/>
           </a:xfrm>
           <a:prstGeom prst="rect">
             <a:avLst/>
@@ -484,14 +484,14 @@
       </p:sp>
       <p:sp>
         <p:nvSpPr>
-          <p:cNvPr id="287" name="CustomShape 3"/>
+          <p:cNvPr id="288" name="CustomShape 3"/>
           <p:cNvSpPr/>
           <p:nvPr/>
         </p:nvSpPr>
         <p:spPr>
           <a:xfrm>
             <a:off x="0" y="10155240"/>
-            <a:ext cx="3265200" cy="525600"/>
+            <a:ext cx="3264840" cy="525240"/>
           </a:xfrm>
           <a:prstGeom prst="rect">
             <a:avLst/>
@@ -560,7 +560,7 @@
       </p:grpSpPr>
       <p:sp>
         <p:nvSpPr>
-          <p:cNvPr id="312" name="PlaceHolder 1"/>
+          <p:cNvPr id="313" name="PlaceHolder 1"/>
           <p:cNvSpPr>
             <a:spLocks noGrp="1"/>
           </p:cNvSpPr>
@@ -571,7 +571,7 @@
         <p:spPr>
           <a:xfrm>
             <a:off x="1376280" y="1336680"/>
-            <a:ext cx="4796640" cy="3596400"/>
+            <a:ext cx="4796280" cy="3596040"/>
           </a:xfrm>
           <a:prstGeom prst="rect">
             <a:avLst/>
@@ -583,7 +583,7 @@
       </p:sp>
       <p:sp>
         <p:nvSpPr>
-          <p:cNvPr id="313" name="PlaceHolder 2"/>
+          <p:cNvPr id="314" name="PlaceHolder 2"/>
           <p:cNvSpPr>
             <a:spLocks noGrp="1"/>
           </p:cNvSpPr>
@@ -594,7 +594,7 @@
         <p:spPr>
           <a:xfrm>
             <a:off x="756000" y="5145120"/>
-            <a:ext cx="6036840" cy="4199040"/>
+            <a:ext cx="6036480" cy="4198680"/>
           </a:xfrm>
           <a:prstGeom prst="rect">
             <a:avLst/>
@@ -623,14 +623,14 @@
       </p:sp>
       <p:sp>
         <p:nvSpPr>
-          <p:cNvPr id="314" name="CustomShape 44"/>
+          <p:cNvPr id="315" name="CustomShape 44"/>
           <p:cNvSpPr/>
           <p:nvPr/>
         </p:nvSpPr>
         <p:spPr>
           <a:xfrm>
             <a:off x="0" y="10155240"/>
-            <a:ext cx="3265200" cy="525600"/>
+            <a:ext cx="3264840" cy="525240"/>
           </a:xfrm>
           <a:prstGeom prst="rect">
             <a:avLst/>
@@ -699,7 +699,7 @@
       </p:grpSpPr>
       <p:sp>
         <p:nvSpPr>
-          <p:cNvPr id="315" name="PlaceHolder 1"/>
+          <p:cNvPr id="316" name="PlaceHolder 1"/>
           <p:cNvSpPr>
             <a:spLocks noGrp="1"/>
           </p:cNvSpPr>
@@ -710,7 +710,7 @@
         <p:spPr>
           <a:xfrm>
             <a:off x="1376280" y="1336680"/>
-            <a:ext cx="4796640" cy="3596400"/>
+            <a:ext cx="4796280" cy="3596040"/>
           </a:xfrm>
           <a:prstGeom prst="rect">
             <a:avLst/>
@@ -722,7 +722,7 @@
       </p:sp>
       <p:sp>
         <p:nvSpPr>
-          <p:cNvPr id="316" name="PlaceHolder 2"/>
+          <p:cNvPr id="317" name="PlaceHolder 2"/>
           <p:cNvSpPr>
             <a:spLocks noGrp="1"/>
           </p:cNvSpPr>
@@ -733,7 +733,7 @@
         <p:spPr>
           <a:xfrm>
             <a:off x="756000" y="5145120"/>
-            <a:ext cx="6036840" cy="4199040"/>
+            <a:ext cx="6036480" cy="4198680"/>
           </a:xfrm>
           <a:prstGeom prst="rect">
             <a:avLst/>
@@ -762,14 +762,14 @@
       </p:sp>
       <p:sp>
         <p:nvSpPr>
-          <p:cNvPr id="317" name="CustomShape 49"/>
+          <p:cNvPr id="318" name="CustomShape 49"/>
           <p:cNvSpPr/>
           <p:nvPr/>
         </p:nvSpPr>
         <p:spPr>
           <a:xfrm>
             <a:off x="0" y="10155240"/>
-            <a:ext cx="3265200" cy="525600"/>
+            <a:ext cx="3264840" cy="525240"/>
           </a:xfrm>
           <a:prstGeom prst="rect">
             <a:avLst/>
@@ -838,7 +838,7 @@
       </p:grpSpPr>
       <p:sp>
         <p:nvSpPr>
-          <p:cNvPr id="318" name="PlaceHolder 1"/>
+          <p:cNvPr id="319" name="PlaceHolder 1"/>
           <p:cNvSpPr>
             <a:spLocks noGrp="1"/>
           </p:cNvSpPr>
@@ -849,7 +849,7 @@
         <p:spPr>
           <a:xfrm>
             <a:off x="1376280" y="1336680"/>
-            <a:ext cx="4796640" cy="3596400"/>
+            <a:ext cx="4796280" cy="3596040"/>
           </a:xfrm>
           <a:prstGeom prst="rect">
             <a:avLst/>
@@ -861,7 +861,7 @@
       </p:sp>
       <p:sp>
         <p:nvSpPr>
-          <p:cNvPr id="319" name="PlaceHolder 2"/>
+          <p:cNvPr id="320" name="PlaceHolder 2"/>
           <p:cNvSpPr>
             <a:spLocks noGrp="1"/>
           </p:cNvSpPr>
@@ -872,7 +872,7 @@
         <p:spPr>
           <a:xfrm>
             <a:off x="756000" y="5145120"/>
-            <a:ext cx="6036840" cy="4199040"/>
+            <a:ext cx="6036480" cy="4198680"/>
           </a:xfrm>
           <a:prstGeom prst="rect">
             <a:avLst/>
@@ -901,14 +901,14 @@
       </p:sp>
       <p:sp>
         <p:nvSpPr>
-          <p:cNvPr id="320" name="CustomShape 84"/>
+          <p:cNvPr id="321" name="CustomShape 84"/>
           <p:cNvSpPr/>
           <p:nvPr/>
         </p:nvSpPr>
         <p:spPr>
           <a:xfrm>
             <a:off x="0" y="10155240"/>
-            <a:ext cx="3265200" cy="525600"/>
+            <a:ext cx="3264840" cy="525240"/>
           </a:xfrm>
           <a:prstGeom prst="rect">
             <a:avLst/>
@@ -977,7 +977,7 @@
       </p:grpSpPr>
       <p:sp>
         <p:nvSpPr>
-          <p:cNvPr id="321" name="PlaceHolder 1"/>
+          <p:cNvPr id="322" name="PlaceHolder 1"/>
           <p:cNvSpPr>
             <a:spLocks noGrp="1"/>
           </p:cNvSpPr>
@@ -988,7 +988,7 @@
         <p:spPr>
           <a:xfrm>
             <a:off x="1376280" y="1336680"/>
-            <a:ext cx="4796640" cy="3596400"/>
+            <a:ext cx="4796280" cy="3596040"/>
           </a:xfrm>
           <a:prstGeom prst="rect">
             <a:avLst/>
@@ -1000,7 +1000,7 @@
       </p:sp>
       <p:sp>
         <p:nvSpPr>
-          <p:cNvPr id="322" name="PlaceHolder 2"/>
+          <p:cNvPr id="323" name="PlaceHolder 2"/>
           <p:cNvSpPr>
             <a:spLocks noGrp="1"/>
           </p:cNvSpPr>
@@ -1011,7 +1011,7 @@
         <p:spPr>
           <a:xfrm>
             <a:off x="756000" y="5145120"/>
-            <a:ext cx="6036840" cy="4199040"/>
+            <a:ext cx="6036480" cy="4198680"/>
           </a:xfrm>
           <a:prstGeom prst="rect">
             <a:avLst/>
@@ -1040,14 +1040,14 @@
       </p:sp>
       <p:sp>
         <p:nvSpPr>
-          <p:cNvPr id="323" name="CustomShape 54"/>
+          <p:cNvPr id="324" name="CustomShape 54"/>
           <p:cNvSpPr/>
           <p:nvPr/>
         </p:nvSpPr>
         <p:spPr>
           <a:xfrm>
             <a:off x="0" y="10155240"/>
-            <a:ext cx="3265200" cy="525600"/>
+            <a:ext cx="3264840" cy="525240"/>
           </a:xfrm>
           <a:prstGeom prst="rect">
             <a:avLst/>
@@ -1116,7 +1116,7 @@
       </p:grpSpPr>
       <p:sp>
         <p:nvSpPr>
-          <p:cNvPr id="324" name="PlaceHolder 1"/>
+          <p:cNvPr id="325" name="PlaceHolder 1"/>
           <p:cNvSpPr>
             <a:spLocks noGrp="1"/>
           </p:cNvSpPr>
@@ -1127,7 +1127,7 @@
         <p:spPr>
           <a:xfrm>
             <a:off x="1376280" y="1336680"/>
-            <a:ext cx="4796640" cy="3596400"/>
+            <a:ext cx="4796280" cy="3596040"/>
           </a:xfrm>
           <a:prstGeom prst="rect">
             <a:avLst/>
@@ -1139,7 +1139,7 @@
       </p:sp>
       <p:sp>
         <p:nvSpPr>
-          <p:cNvPr id="325" name="PlaceHolder 2"/>
+          <p:cNvPr id="326" name="PlaceHolder 2"/>
           <p:cNvSpPr>
             <a:spLocks noGrp="1"/>
           </p:cNvSpPr>
@@ -1150,7 +1150,7 @@
         <p:spPr>
           <a:xfrm>
             <a:off x="756000" y="5145120"/>
-            <a:ext cx="6036840" cy="4199040"/>
+            <a:ext cx="6036480" cy="4198680"/>
           </a:xfrm>
           <a:prstGeom prst="rect">
             <a:avLst/>
@@ -1179,14 +1179,14 @@
       </p:sp>
       <p:sp>
         <p:nvSpPr>
-          <p:cNvPr id="326" name="CustomShape 59"/>
+          <p:cNvPr id="327" name="CustomShape 59"/>
           <p:cNvSpPr/>
           <p:nvPr/>
         </p:nvSpPr>
         <p:spPr>
           <a:xfrm>
             <a:off x="0" y="10155240"/>
-            <a:ext cx="3265200" cy="525600"/>
+            <a:ext cx="3264840" cy="525240"/>
           </a:xfrm>
           <a:prstGeom prst="rect">
             <a:avLst/>
@@ -1255,7 +1255,7 @@
       </p:grpSpPr>
       <p:sp>
         <p:nvSpPr>
-          <p:cNvPr id="327" name="PlaceHolder 1"/>
+          <p:cNvPr id="328" name="PlaceHolder 1"/>
           <p:cNvSpPr>
             <a:spLocks noGrp="1"/>
           </p:cNvSpPr>
@@ -1266,7 +1266,7 @@
         <p:spPr>
           <a:xfrm>
             <a:off x="1376280" y="1336680"/>
-            <a:ext cx="4796640" cy="3596400"/>
+            <a:ext cx="4796280" cy="3596040"/>
           </a:xfrm>
           <a:prstGeom prst="rect">
             <a:avLst/>
@@ -1278,7 +1278,7 @@
       </p:sp>
       <p:sp>
         <p:nvSpPr>
-          <p:cNvPr id="328" name="PlaceHolder 2"/>
+          <p:cNvPr id="329" name="PlaceHolder 2"/>
           <p:cNvSpPr>
             <a:spLocks noGrp="1"/>
           </p:cNvSpPr>
@@ -1289,7 +1289,7 @@
         <p:spPr>
           <a:xfrm>
             <a:off x="756000" y="5145120"/>
-            <a:ext cx="6036840" cy="4199040"/>
+            <a:ext cx="6036480" cy="4198680"/>
           </a:xfrm>
           <a:prstGeom prst="rect">
             <a:avLst/>
@@ -1318,14 +1318,14 @@
       </p:sp>
       <p:sp>
         <p:nvSpPr>
-          <p:cNvPr id="329" name="CustomShape 64"/>
+          <p:cNvPr id="330" name="CustomShape 64"/>
           <p:cNvSpPr/>
           <p:nvPr/>
         </p:nvSpPr>
         <p:spPr>
           <a:xfrm>
             <a:off x="0" y="10155240"/>
-            <a:ext cx="3265200" cy="525600"/>
+            <a:ext cx="3264840" cy="525240"/>
           </a:xfrm>
           <a:prstGeom prst="rect">
             <a:avLst/>
@@ -1394,7 +1394,7 @@
       </p:grpSpPr>
       <p:sp>
         <p:nvSpPr>
-          <p:cNvPr id="330" name="PlaceHolder 1"/>
+          <p:cNvPr id="331" name="PlaceHolder 1"/>
           <p:cNvSpPr>
             <a:spLocks noGrp="1"/>
           </p:cNvSpPr>
@@ -1405,7 +1405,7 @@
         <p:spPr>
           <a:xfrm>
             <a:off x="1376280" y="1336680"/>
-            <a:ext cx="4796640" cy="3596400"/>
+            <a:ext cx="4796280" cy="3596040"/>
           </a:xfrm>
           <a:prstGeom prst="rect">
             <a:avLst/>
@@ -1417,7 +1417,7 @@
       </p:sp>
       <p:sp>
         <p:nvSpPr>
-          <p:cNvPr id="331" name="PlaceHolder 2"/>
+          <p:cNvPr id="332" name="PlaceHolder 2"/>
           <p:cNvSpPr>
             <a:spLocks noGrp="1"/>
           </p:cNvSpPr>
@@ -1428,7 +1428,7 @@
         <p:spPr>
           <a:xfrm>
             <a:off x="756000" y="5145120"/>
-            <a:ext cx="6036840" cy="4199040"/>
+            <a:ext cx="6036480" cy="4198680"/>
           </a:xfrm>
           <a:prstGeom prst="rect">
             <a:avLst/>
@@ -1457,14 +1457,14 @@
       </p:sp>
       <p:sp>
         <p:nvSpPr>
-          <p:cNvPr id="332" name="CustomShape 69"/>
+          <p:cNvPr id="333" name="CustomShape 69"/>
           <p:cNvSpPr/>
           <p:nvPr/>
         </p:nvSpPr>
         <p:spPr>
           <a:xfrm>
             <a:off x="0" y="10155240"/>
-            <a:ext cx="3265200" cy="525600"/>
+            <a:ext cx="3264840" cy="525240"/>
           </a:xfrm>
           <a:prstGeom prst="rect">
             <a:avLst/>
@@ -1533,7 +1533,7 @@
       </p:grpSpPr>
       <p:sp>
         <p:nvSpPr>
-          <p:cNvPr id="333" name="PlaceHolder 1"/>
+          <p:cNvPr id="334" name="PlaceHolder 1"/>
           <p:cNvSpPr>
             <a:spLocks noGrp="1"/>
           </p:cNvSpPr>
@@ -1544,7 +1544,7 @@
         <p:spPr>
           <a:xfrm>
             <a:off x="1376280" y="1336680"/>
-            <a:ext cx="4796640" cy="3596400"/>
+            <a:ext cx="4796280" cy="3596040"/>
           </a:xfrm>
           <a:prstGeom prst="rect">
             <a:avLst/>
@@ -1556,7 +1556,7 @@
       </p:sp>
       <p:sp>
         <p:nvSpPr>
-          <p:cNvPr id="334" name="PlaceHolder 2"/>
+          <p:cNvPr id="335" name="PlaceHolder 2"/>
           <p:cNvSpPr>
             <a:spLocks noGrp="1"/>
           </p:cNvSpPr>
@@ -1567,7 +1567,7 @@
         <p:spPr>
           <a:xfrm>
             <a:off x="756000" y="5145120"/>
-            <a:ext cx="6036840" cy="4199040"/>
+            <a:ext cx="6036480" cy="4198680"/>
           </a:xfrm>
           <a:prstGeom prst="rect">
             <a:avLst/>
@@ -1596,14 +1596,14 @@
       </p:sp>
       <p:sp>
         <p:nvSpPr>
-          <p:cNvPr id="335" name="CustomShape 74"/>
+          <p:cNvPr id="336" name="CustomShape 74"/>
           <p:cNvSpPr/>
           <p:nvPr/>
         </p:nvSpPr>
         <p:spPr>
           <a:xfrm>
             <a:off x="0" y="10155240"/>
-            <a:ext cx="3265200" cy="525600"/>
+            <a:ext cx="3264840" cy="525240"/>
           </a:xfrm>
           <a:prstGeom prst="rect">
             <a:avLst/>
@@ -1672,7 +1672,7 @@
       </p:grpSpPr>
       <p:sp>
         <p:nvSpPr>
-          <p:cNvPr id="288" name="PlaceHolder 1"/>
+          <p:cNvPr id="289" name="PlaceHolder 1"/>
           <p:cNvSpPr>
             <a:spLocks noGrp="1"/>
           </p:cNvSpPr>
@@ -1683,7 +1683,7 @@
         <p:spPr>
           <a:xfrm>
             <a:off x="1376280" y="1336680"/>
-            <a:ext cx="4796640" cy="3596400"/>
+            <a:ext cx="4796280" cy="3596040"/>
           </a:xfrm>
           <a:prstGeom prst="rect">
             <a:avLst/>
@@ -1695,7 +1695,7 @@
       </p:sp>
       <p:sp>
         <p:nvSpPr>
-          <p:cNvPr id="289" name="PlaceHolder 2"/>
+          <p:cNvPr id="290" name="PlaceHolder 2"/>
           <p:cNvSpPr>
             <a:spLocks noGrp="1"/>
           </p:cNvSpPr>
@@ -1706,7 +1706,7 @@
         <p:spPr>
           <a:xfrm>
             <a:off x="756000" y="5145120"/>
-            <a:ext cx="6036840" cy="4199040"/>
+            <a:ext cx="6036480" cy="4198680"/>
           </a:xfrm>
           <a:prstGeom prst="rect">
             <a:avLst/>
@@ -1735,14 +1735,14 @@
       </p:sp>
       <p:sp>
         <p:nvSpPr>
-          <p:cNvPr id="290" name="CustomShape 3"/>
+          <p:cNvPr id="291" name="CustomShape 3"/>
           <p:cNvSpPr/>
           <p:nvPr/>
         </p:nvSpPr>
         <p:spPr>
           <a:xfrm>
             <a:off x="0" y="10155240"/>
-            <a:ext cx="3265200" cy="525600"/>
+            <a:ext cx="3264840" cy="525240"/>
           </a:xfrm>
           <a:prstGeom prst="rect">
             <a:avLst/>
@@ -1811,7 +1811,7 @@
       </p:grpSpPr>
       <p:sp>
         <p:nvSpPr>
-          <p:cNvPr id="291" name="PlaceHolder 1"/>
+          <p:cNvPr id="292" name="PlaceHolder 1"/>
           <p:cNvSpPr>
             <a:spLocks noGrp="1"/>
           </p:cNvSpPr>
@@ -1822,7 +1822,7 @@
         <p:spPr>
           <a:xfrm>
             <a:off x="1376280" y="1336680"/>
-            <a:ext cx="4796640" cy="3596400"/>
+            <a:ext cx="4796280" cy="3596040"/>
           </a:xfrm>
           <a:prstGeom prst="rect">
             <a:avLst/>
@@ -1834,7 +1834,7 @@
       </p:sp>
       <p:sp>
         <p:nvSpPr>
-          <p:cNvPr id="292" name="PlaceHolder 2"/>
+          <p:cNvPr id="293" name="PlaceHolder 2"/>
           <p:cNvSpPr>
             <a:spLocks noGrp="1"/>
           </p:cNvSpPr>
@@ -1845,7 +1845,7 @@
         <p:spPr>
           <a:xfrm>
             <a:off x="756000" y="5145120"/>
-            <a:ext cx="6036840" cy="4199040"/>
+            <a:ext cx="6036480" cy="4198680"/>
           </a:xfrm>
           <a:prstGeom prst="rect">
             <a:avLst/>
@@ -1874,14 +1874,14 @@
       </p:sp>
       <p:sp>
         <p:nvSpPr>
-          <p:cNvPr id="293" name="CustomShape 5"/>
+          <p:cNvPr id="294" name="CustomShape 5"/>
           <p:cNvSpPr/>
           <p:nvPr/>
         </p:nvSpPr>
         <p:spPr>
           <a:xfrm>
             <a:off x="0" y="10155240"/>
-            <a:ext cx="3265200" cy="525600"/>
+            <a:ext cx="3264840" cy="525240"/>
           </a:xfrm>
           <a:prstGeom prst="rect">
             <a:avLst/>
@@ -1950,7 +1950,7 @@
       </p:grpSpPr>
       <p:sp>
         <p:nvSpPr>
-          <p:cNvPr id="294" name="PlaceHolder 1"/>
+          <p:cNvPr id="295" name="PlaceHolder 1"/>
           <p:cNvSpPr>
             <a:spLocks noGrp="1"/>
           </p:cNvSpPr>
@@ -1961,7 +1961,7 @@
         <p:spPr>
           <a:xfrm>
             <a:off x="1376280" y="1336680"/>
-            <a:ext cx="4796640" cy="3596400"/>
+            <a:ext cx="4796280" cy="3596040"/>
           </a:xfrm>
           <a:prstGeom prst="rect">
             <a:avLst/>
@@ -1973,7 +1973,7 @@
       </p:sp>
       <p:sp>
         <p:nvSpPr>
-          <p:cNvPr id="295" name="PlaceHolder 2"/>
+          <p:cNvPr id="296" name="PlaceHolder 2"/>
           <p:cNvSpPr>
             <a:spLocks noGrp="1"/>
           </p:cNvSpPr>
@@ -1984,7 +1984,7 @@
         <p:spPr>
           <a:xfrm>
             <a:off x="756000" y="5145120"/>
-            <a:ext cx="6036840" cy="4199040"/>
+            <a:ext cx="6036480" cy="4198680"/>
           </a:xfrm>
           <a:prstGeom prst="rect">
             <a:avLst/>
@@ -2013,14 +2013,14 @@
       </p:sp>
       <p:sp>
         <p:nvSpPr>
-          <p:cNvPr id="296" name="CustomShape 14"/>
+          <p:cNvPr id="297" name="CustomShape 14"/>
           <p:cNvSpPr/>
           <p:nvPr/>
         </p:nvSpPr>
         <p:spPr>
           <a:xfrm>
             <a:off x="0" y="10155240"/>
-            <a:ext cx="3265200" cy="525600"/>
+            <a:ext cx="3264840" cy="525240"/>
           </a:xfrm>
           <a:prstGeom prst="rect">
             <a:avLst/>
@@ -2089,7 +2089,7 @@
       </p:grpSpPr>
       <p:sp>
         <p:nvSpPr>
-          <p:cNvPr id="297" name="PlaceHolder 1"/>
+          <p:cNvPr id="298" name="PlaceHolder 1"/>
           <p:cNvSpPr>
             <a:spLocks noGrp="1"/>
           </p:cNvSpPr>
@@ -2100,7 +2100,7 @@
         <p:spPr>
           <a:xfrm>
             <a:off x="1376280" y="1336680"/>
-            <a:ext cx="4796640" cy="3596400"/>
+            <a:ext cx="4796280" cy="3596040"/>
           </a:xfrm>
           <a:prstGeom prst="rect">
             <a:avLst/>
@@ -2112,7 +2112,7 @@
       </p:sp>
       <p:sp>
         <p:nvSpPr>
-          <p:cNvPr id="298" name="PlaceHolder 2"/>
+          <p:cNvPr id="299" name="PlaceHolder 2"/>
           <p:cNvSpPr>
             <a:spLocks noGrp="1"/>
           </p:cNvSpPr>
@@ -2123,7 +2123,7 @@
         <p:spPr>
           <a:xfrm>
             <a:off x="756000" y="5145120"/>
-            <a:ext cx="6036840" cy="4199040"/>
+            <a:ext cx="6036480" cy="4198680"/>
           </a:xfrm>
           <a:prstGeom prst="rect">
             <a:avLst/>
@@ -2152,14 +2152,14 @@
       </p:sp>
       <p:sp>
         <p:nvSpPr>
-          <p:cNvPr id="299" name="CustomShape 19"/>
+          <p:cNvPr id="300" name="CustomShape 19"/>
           <p:cNvSpPr/>
           <p:nvPr/>
         </p:nvSpPr>
         <p:spPr>
           <a:xfrm>
             <a:off x="0" y="10155240"/>
-            <a:ext cx="3265200" cy="525600"/>
+            <a:ext cx="3264840" cy="525240"/>
           </a:xfrm>
           <a:prstGeom prst="rect">
             <a:avLst/>
@@ -2228,7 +2228,7 @@
       </p:grpSpPr>
       <p:sp>
         <p:nvSpPr>
-          <p:cNvPr id="300" name="PlaceHolder 1"/>
+          <p:cNvPr id="301" name="PlaceHolder 1"/>
           <p:cNvSpPr>
             <a:spLocks noGrp="1"/>
           </p:cNvSpPr>
@@ -2239,7 +2239,7 @@
         <p:spPr>
           <a:xfrm>
             <a:off x="1376280" y="1336680"/>
-            <a:ext cx="4796640" cy="3596400"/>
+            <a:ext cx="4796280" cy="3596040"/>
           </a:xfrm>
           <a:prstGeom prst="rect">
             <a:avLst/>
@@ -2251,7 +2251,7 @@
       </p:sp>
       <p:sp>
         <p:nvSpPr>
-          <p:cNvPr id="301" name="PlaceHolder 2"/>
+          <p:cNvPr id="302" name="PlaceHolder 2"/>
           <p:cNvSpPr>
             <a:spLocks noGrp="1"/>
           </p:cNvSpPr>
@@ -2262,7 +2262,7 @@
         <p:spPr>
           <a:xfrm>
             <a:off x="756000" y="5145120"/>
-            <a:ext cx="6036840" cy="4199040"/>
+            <a:ext cx="6036480" cy="4198680"/>
           </a:xfrm>
           <a:prstGeom prst="rect">
             <a:avLst/>
@@ -2291,14 +2291,14 @@
       </p:sp>
       <p:sp>
         <p:nvSpPr>
-          <p:cNvPr id="302" name="CustomShape 24"/>
+          <p:cNvPr id="303" name="CustomShape 24"/>
           <p:cNvSpPr/>
           <p:nvPr/>
         </p:nvSpPr>
         <p:spPr>
           <a:xfrm>
             <a:off x="0" y="10155240"/>
-            <a:ext cx="3265200" cy="525600"/>
+            <a:ext cx="3264840" cy="525240"/>
           </a:xfrm>
           <a:prstGeom prst="rect">
             <a:avLst/>
@@ -2367,7 +2367,7 @@
       </p:grpSpPr>
       <p:sp>
         <p:nvSpPr>
-          <p:cNvPr id="303" name="PlaceHolder 1"/>
+          <p:cNvPr id="304" name="PlaceHolder 1"/>
           <p:cNvSpPr>
             <a:spLocks noGrp="1"/>
           </p:cNvSpPr>
@@ -2378,7 +2378,7 @@
         <p:spPr>
           <a:xfrm>
             <a:off x="1376280" y="1336680"/>
-            <a:ext cx="4796640" cy="3596400"/>
+            <a:ext cx="4796280" cy="3596040"/>
           </a:xfrm>
           <a:prstGeom prst="rect">
             <a:avLst/>
@@ -2390,7 +2390,7 @@
       </p:sp>
       <p:sp>
         <p:nvSpPr>
-          <p:cNvPr id="304" name="PlaceHolder 2"/>
+          <p:cNvPr id="305" name="PlaceHolder 2"/>
           <p:cNvSpPr>
             <a:spLocks noGrp="1"/>
           </p:cNvSpPr>
@@ -2401,7 +2401,7 @@
         <p:spPr>
           <a:xfrm>
             <a:off x="756000" y="5145120"/>
-            <a:ext cx="6036840" cy="4199040"/>
+            <a:ext cx="6036480" cy="4198680"/>
           </a:xfrm>
           <a:prstGeom prst="rect">
             <a:avLst/>
@@ -2430,14 +2430,14 @@
       </p:sp>
       <p:sp>
         <p:nvSpPr>
-          <p:cNvPr id="305" name="CustomShape 29"/>
+          <p:cNvPr id="306" name="CustomShape 29"/>
           <p:cNvSpPr/>
           <p:nvPr/>
         </p:nvSpPr>
         <p:spPr>
           <a:xfrm>
             <a:off x="0" y="10155240"/>
-            <a:ext cx="3265200" cy="525600"/>
+            <a:ext cx="3264840" cy="525240"/>
           </a:xfrm>
           <a:prstGeom prst="rect">
             <a:avLst/>
@@ -2506,7 +2506,7 @@
       </p:grpSpPr>
       <p:sp>
         <p:nvSpPr>
-          <p:cNvPr id="306" name="PlaceHolder 1"/>
+          <p:cNvPr id="307" name="PlaceHolder 1"/>
           <p:cNvSpPr>
             <a:spLocks noGrp="1"/>
           </p:cNvSpPr>
@@ -2517,7 +2517,7 @@
         <p:spPr>
           <a:xfrm>
             <a:off x="1376280" y="1336680"/>
-            <a:ext cx="4796640" cy="3596400"/>
+            <a:ext cx="4796280" cy="3596040"/>
           </a:xfrm>
           <a:prstGeom prst="rect">
             <a:avLst/>
@@ -2529,7 +2529,7 @@
       </p:sp>
       <p:sp>
         <p:nvSpPr>
-          <p:cNvPr id="307" name="PlaceHolder 2"/>
+          <p:cNvPr id="308" name="PlaceHolder 2"/>
           <p:cNvSpPr>
             <a:spLocks noGrp="1"/>
           </p:cNvSpPr>
@@ -2540,7 +2540,7 @@
         <p:spPr>
           <a:xfrm>
             <a:off x="756000" y="5145120"/>
-            <a:ext cx="6036840" cy="4199040"/>
+            <a:ext cx="6036480" cy="4198680"/>
           </a:xfrm>
           <a:prstGeom prst="rect">
             <a:avLst/>
@@ -2569,14 +2569,14 @@
       </p:sp>
       <p:sp>
         <p:nvSpPr>
-          <p:cNvPr id="308" name="CustomShape 34"/>
+          <p:cNvPr id="309" name="CustomShape 34"/>
           <p:cNvSpPr/>
           <p:nvPr/>
         </p:nvSpPr>
         <p:spPr>
           <a:xfrm>
             <a:off x="0" y="10155240"/>
-            <a:ext cx="3265200" cy="525600"/>
+            <a:ext cx="3264840" cy="525240"/>
           </a:xfrm>
           <a:prstGeom prst="rect">
             <a:avLst/>
@@ -2645,7 +2645,7 @@
       </p:grpSpPr>
       <p:sp>
         <p:nvSpPr>
-          <p:cNvPr id="309" name="PlaceHolder 1"/>
+          <p:cNvPr id="310" name="PlaceHolder 1"/>
           <p:cNvSpPr>
             <a:spLocks noGrp="1"/>
           </p:cNvSpPr>
@@ -2656,7 +2656,7 @@
         <p:spPr>
           <a:xfrm>
             <a:off x="1376280" y="1336680"/>
-            <a:ext cx="4796640" cy="3596400"/>
+            <a:ext cx="4796280" cy="3596040"/>
           </a:xfrm>
           <a:prstGeom prst="rect">
             <a:avLst/>
@@ -2668,7 +2668,7 @@
       </p:sp>
       <p:sp>
         <p:nvSpPr>
-          <p:cNvPr id="310" name="PlaceHolder 2"/>
+          <p:cNvPr id="311" name="PlaceHolder 2"/>
           <p:cNvSpPr>
             <a:spLocks noGrp="1"/>
           </p:cNvSpPr>
@@ -2679,7 +2679,7 @@
         <p:spPr>
           <a:xfrm>
             <a:off x="756000" y="5145120"/>
-            <a:ext cx="6036840" cy="4199040"/>
+            <a:ext cx="6036480" cy="4198680"/>
           </a:xfrm>
           <a:prstGeom prst="rect">
             <a:avLst/>
@@ -2708,14 +2708,14 @@
       </p:sp>
       <p:sp>
         <p:nvSpPr>
-          <p:cNvPr id="311" name="CustomShape 39"/>
+          <p:cNvPr id="312" name="CustomShape 39"/>
           <p:cNvSpPr/>
           <p:nvPr/>
         </p:nvSpPr>
         <p:spPr>
           <a:xfrm>
             <a:off x="0" y="10155240"/>
-            <a:ext cx="3265200" cy="525600"/>
+            <a:ext cx="3264840" cy="525240"/>
           </a:xfrm>
           <a:prstGeom prst="rect">
             <a:avLst/>
@@ -5680,7 +5680,7 @@
         <p:spPr>
           <a:xfrm>
             <a:off x="0" y="3150000"/>
-            <a:ext cx="9709200" cy="1249200"/>
+            <a:ext cx="9708840" cy="1248840"/>
           </a:xfrm>
           <a:prstGeom prst="rect">
             <a:avLst/>
@@ -6484,7 +6484,7 @@
         <p:spPr>
           <a:xfrm>
             <a:off x="0" y="3150000"/>
-            <a:ext cx="9709200" cy="1249200"/>
+            <a:ext cx="9708840" cy="1248840"/>
           </a:xfrm>
           <a:prstGeom prst="rect">
             <a:avLst/>
@@ -6564,7 +6564,7 @@
         <p:spPr>
           <a:xfrm>
             <a:off x="0" y="3150000"/>
-            <a:ext cx="9709200" cy="1249200"/>
+            <a:ext cx="9708840" cy="1248840"/>
           </a:xfrm>
           <a:prstGeom prst="rect">
             <a:avLst/>
@@ -7368,7 +7368,7 @@
         <p:spPr>
           <a:xfrm>
             <a:off x="0" y="3150000"/>
-            <a:ext cx="9709200" cy="1249200"/>
+            <a:ext cx="9708840" cy="1248840"/>
           </a:xfrm>
           <a:prstGeom prst="rect">
             <a:avLst/>
@@ -8172,7 +8172,7 @@
         <p:spPr>
           <a:xfrm>
             <a:off x="0" y="180000"/>
-            <a:ext cx="9709200" cy="1249200"/>
+            <a:ext cx="9708840" cy="1248840"/>
           </a:xfrm>
           <a:prstGeom prst="rect">
             <a:avLst/>
@@ -8219,7 +8219,7 @@
         <p:spPr>
           <a:xfrm>
             <a:off x="7560000" y="6840000"/>
-            <a:ext cx="2509200" cy="529200"/>
+            <a:ext cx="2508840" cy="528840"/>
           </a:xfrm>
           <a:prstGeom prst="rect">
             <a:avLst/>
@@ -8266,7 +8266,7 @@
         <p:spPr>
           <a:xfrm>
             <a:off x="900000" y="6840000"/>
-            <a:ext cx="6469200" cy="529200"/>
+            <a:ext cx="6468840" cy="528840"/>
           </a:xfrm>
           <a:prstGeom prst="rect">
             <a:avLst/>
@@ -8313,7 +8313,7 @@
         <p:spPr>
           <a:xfrm>
             <a:off x="180000" y="6840000"/>
-            <a:ext cx="529200" cy="529200"/>
+            <a:ext cx="528840" cy="528840"/>
           </a:xfrm>
           <a:prstGeom prst="rect">
             <a:avLst/>
@@ -9115,7 +9115,7 @@
         <p:spPr>
           <a:xfrm>
             <a:off x="0" y="180000"/>
-            <a:ext cx="9709200" cy="1249200"/>
+            <a:ext cx="9708840" cy="1248840"/>
           </a:xfrm>
           <a:prstGeom prst="rect">
             <a:avLst/>
@@ -9162,7 +9162,7 @@
         <p:spPr>
           <a:xfrm>
             <a:off x="7560000" y="6840000"/>
-            <a:ext cx="2509200" cy="529200"/>
+            <a:ext cx="2508840" cy="528840"/>
           </a:xfrm>
           <a:prstGeom prst="rect">
             <a:avLst/>
@@ -9209,7 +9209,7 @@
         <p:spPr>
           <a:xfrm>
             <a:off x="900000" y="6840000"/>
-            <a:ext cx="6469200" cy="529200"/>
+            <a:ext cx="6468840" cy="528840"/>
           </a:xfrm>
           <a:prstGeom prst="rect">
             <a:avLst/>
@@ -9256,7 +9256,7 @@
         <p:spPr>
           <a:xfrm>
             <a:off x="180000" y="6840000"/>
-            <a:ext cx="529200" cy="529200"/>
+            <a:ext cx="528840" cy="528840"/>
           </a:xfrm>
           <a:prstGeom prst="rect">
             <a:avLst/>
@@ -9833,7 +9833,7 @@
         <p:spPr>
           <a:xfrm>
             <a:off x="0" y="180000"/>
-            <a:ext cx="9709200" cy="1249200"/>
+            <a:ext cx="9708840" cy="1248840"/>
           </a:xfrm>
           <a:prstGeom prst="rect">
             <a:avLst/>
@@ -9880,7 +9880,7 @@
         <p:spPr>
           <a:xfrm>
             <a:off x="7560000" y="6840000"/>
-            <a:ext cx="2509200" cy="529200"/>
+            <a:ext cx="2508840" cy="528840"/>
           </a:xfrm>
           <a:prstGeom prst="rect">
             <a:avLst/>
@@ -9927,7 +9927,7 @@
         <p:spPr>
           <a:xfrm>
             <a:off x="900000" y="6840000"/>
-            <a:ext cx="6469200" cy="529200"/>
+            <a:ext cx="6468840" cy="528840"/>
           </a:xfrm>
           <a:prstGeom prst="rect">
             <a:avLst/>
@@ -9974,7 +9974,7 @@
         <p:spPr>
           <a:xfrm>
             <a:off x="180000" y="6840000"/>
-            <a:ext cx="529200" cy="529200"/>
+            <a:ext cx="528840" cy="528840"/>
           </a:xfrm>
           <a:prstGeom prst="rect">
             <a:avLst/>
@@ -11001,7 +11001,7 @@
         <p:spPr>
           <a:xfrm>
             <a:off x="0" y="180000"/>
-            <a:ext cx="9709200" cy="1249200"/>
+            <a:ext cx="9708840" cy="1248840"/>
           </a:xfrm>
           <a:prstGeom prst="rect">
             <a:avLst/>
@@ -11048,7 +11048,7 @@
         <p:spPr>
           <a:xfrm>
             <a:off x="7560000" y="6840000"/>
-            <a:ext cx="2509200" cy="529200"/>
+            <a:ext cx="2508840" cy="528840"/>
           </a:xfrm>
           <a:prstGeom prst="rect">
             <a:avLst/>
@@ -11095,7 +11095,7 @@
         <p:spPr>
           <a:xfrm>
             <a:off x="900000" y="6840000"/>
-            <a:ext cx="6469200" cy="529200"/>
+            <a:ext cx="6468840" cy="528840"/>
           </a:xfrm>
           <a:prstGeom prst="rect">
             <a:avLst/>
@@ -11142,7 +11142,7 @@
         <p:spPr>
           <a:xfrm>
             <a:off x="180000" y="6840000"/>
-            <a:ext cx="529200" cy="529200"/>
+            <a:ext cx="528840" cy="528840"/>
           </a:xfrm>
           <a:prstGeom prst="rect">
             <a:avLst/>
@@ -11220,7 +11220,7 @@
         <p:spPr>
           <a:xfrm>
             <a:off x="0" y="180000"/>
-            <a:ext cx="9709200" cy="1249200"/>
+            <a:ext cx="9708840" cy="1248840"/>
           </a:xfrm>
           <a:prstGeom prst="rect">
             <a:avLst/>
@@ -11267,7 +11267,7 @@
         <p:spPr>
           <a:xfrm>
             <a:off x="7560000" y="6840000"/>
-            <a:ext cx="2509200" cy="529200"/>
+            <a:ext cx="2508840" cy="528840"/>
           </a:xfrm>
           <a:prstGeom prst="rect">
             <a:avLst/>
@@ -11314,7 +11314,7 @@
         <p:spPr>
           <a:xfrm>
             <a:off x="900000" y="6840000"/>
-            <a:ext cx="6469200" cy="529200"/>
+            <a:ext cx="6468840" cy="528840"/>
           </a:xfrm>
           <a:prstGeom prst="rect">
             <a:avLst/>
@@ -11361,7 +11361,7 @@
         <p:spPr>
           <a:xfrm>
             <a:off x="180000" y="6840000"/>
-            <a:ext cx="529200" cy="529200"/>
+            <a:ext cx="528840" cy="528840"/>
           </a:xfrm>
           <a:prstGeom prst="rect">
             <a:avLst/>
@@ -11713,7 +11713,7 @@
         <p:spPr>
           <a:xfrm>
             <a:off x="0" y="180000"/>
-            <a:ext cx="9709200" cy="1249200"/>
+            <a:ext cx="9708840" cy="1248840"/>
           </a:xfrm>
           <a:prstGeom prst="rect">
             <a:avLst/>
@@ -11760,7 +11760,7 @@
         <p:spPr>
           <a:xfrm>
             <a:off x="7560000" y="6840000"/>
-            <a:ext cx="2509200" cy="529200"/>
+            <a:ext cx="2508840" cy="528840"/>
           </a:xfrm>
           <a:prstGeom prst="rect">
             <a:avLst/>
@@ -11807,7 +11807,7 @@
         <p:spPr>
           <a:xfrm>
             <a:off x="900000" y="6840000"/>
-            <a:ext cx="6469200" cy="529200"/>
+            <a:ext cx="6468840" cy="528840"/>
           </a:xfrm>
           <a:prstGeom prst="rect">
             <a:avLst/>
@@ -11854,7 +11854,7 @@
         <p:spPr>
           <a:xfrm>
             <a:off x="180000" y="6840000"/>
-            <a:ext cx="529200" cy="529200"/>
+            <a:ext cx="528840" cy="528840"/>
           </a:xfrm>
           <a:prstGeom prst="rect">
             <a:avLst/>
@@ -12206,7 +12206,7 @@
         <p:spPr>
           <a:xfrm>
             <a:off x="0" y="180000"/>
-            <a:ext cx="9709200" cy="1249200"/>
+            <a:ext cx="9708840" cy="1248840"/>
           </a:xfrm>
           <a:prstGeom prst="rect">
             <a:avLst/>
@@ -12253,7 +12253,7 @@
         <p:spPr>
           <a:xfrm>
             <a:off x="7560000" y="6840000"/>
-            <a:ext cx="2509200" cy="529200"/>
+            <a:ext cx="2508840" cy="528840"/>
           </a:xfrm>
           <a:prstGeom prst="rect">
             <a:avLst/>
@@ -12300,7 +12300,7 @@
         <p:spPr>
           <a:xfrm>
             <a:off x="900000" y="6840000"/>
-            <a:ext cx="6469200" cy="529200"/>
+            <a:ext cx="6468840" cy="528840"/>
           </a:xfrm>
           <a:prstGeom prst="rect">
             <a:avLst/>
@@ -12347,7 +12347,7 @@
         <p:spPr>
           <a:xfrm>
             <a:off x="180000" y="6840000"/>
-            <a:ext cx="529200" cy="529200"/>
+            <a:ext cx="528840" cy="528840"/>
           </a:xfrm>
           <a:prstGeom prst="rect">
             <a:avLst/>
@@ -12699,7 +12699,7 @@
         <p:spPr>
           <a:xfrm>
             <a:off x="0" y="3150000"/>
-            <a:ext cx="9709200" cy="1249200"/>
+            <a:ext cx="9708840" cy="1248840"/>
           </a:xfrm>
           <a:prstGeom prst="rect">
             <a:avLst/>
@@ -13278,7 +13278,7 @@
         <p:spPr>
           <a:xfrm>
             <a:off x="0" y="180000"/>
-            <a:ext cx="9709200" cy="1249200"/>
+            <a:ext cx="9708840" cy="1248840"/>
           </a:xfrm>
           <a:prstGeom prst="rect">
             <a:avLst/>
@@ -13325,7 +13325,7 @@
         <p:spPr>
           <a:xfrm>
             <a:off x="7560000" y="6840000"/>
-            <a:ext cx="2509200" cy="529200"/>
+            <a:ext cx="2508840" cy="528840"/>
           </a:xfrm>
           <a:prstGeom prst="rect">
             <a:avLst/>
@@ -13372,7 +13372,7 @@
         <p:spPr>
           <a:xfrm>
             <a:off x="900000" y="6840000"/>
-            <a:ext cx="6469200" cy="529200"/>
+            <a:ext cx="6468840" cy="528840"/>
           </a:xfrm>
           <a:prstGeom prst="rect">
             <a:avLst/>
@@ -13419,7 +13419,7 @@
         <p:spPr>
           <a:xfrm>
             <a:off x="180000" y="6840000"/>
-            <a:ext cx="529200" cy="529200"/>
+            <a:ext cx="528840" cy="528840"/>
           </a:xfrm>
           <a:prstGeom prst="rect">
             <a:avLst/>
@@ -13996,7 +13996,7 @@
         <p:spPr>
           <a:xfrm>
             <a:off x="0" y="180000"/>
-            <a:ext cx="9709200" cy="1249200"/>
+            <a:ext cx="9708840" cy="1248840"/>
           </a:xfrm>
           <a:prstGeom prst="rect">
             <a:avLst/>
@@ -14043,7 +14043,7 @@
         <p:spPr>
           <a:xfrm>
             <a:off x="7560000" y="6840000"/>
-            <a:ext cx="2509200" cy="529200"/>
+            <a:ext cx="2508840" cy="528840"/>
           </a:xfrm>
           <a:prstGeom prst="rect">
             <a:avLst/>
@@ -14090,7 +14090,7 @@
         <p:spPr>
           <a:xfrm>
             <a:off x="900000" y="6840000"/>
-            <a:ext cx="6469200" cy="529200"/>
+            <a:ext cx="6468840" cy="528840"/>
           </a:xfrm>
           <a:prstGeom prst="rect">
             <a:avLst/>
@@ -14137,7 +14137,7 @@
         <p:spPr>
           <a:xfrm>
             <a:off x="180000" y="6840000"/>
-            <a:ext cx="529200" cy="529200"/>
+            <a:ext cx="528840" cy="528840"/>
           </a:xfrm>
           <a:prstGeom prst="rect">
             <a:avLst/>
@@ -14264,7 +14264,7 @@
         <p:spPr>
           <a:xfrm>
             <a:off x="0" y="180000"/>
-            <a:ext cx="9709200" cy="1249200"/>
+            <a:ext cx="9708840" cy="1248840"/>
           </a:xfrm>
           <a:prstGeom prst="rect">
             <a:avLst/>
@@ -14311,7 +14311,7 @@
         <p:spPr>
           <a:xfrm>
             <a:off x="7560000" y="6840000"/>
-            <a:ext cx="2509200" cy="529200"/>
+            <a:ext cx="2508840" cy="528840"/>
           </a:xfrm>
           <a:prstGeom prst="rect">
             <a:avLst/>
@@ -14358,7 +14358,7 @@
         <p:spPr>
           <a:xfrm>
             <a:off x="900000" y="6840000"/>
-            <a:ext cx="6469200" cy="529200"/>
+            <a:ext cx="6468840" cy="528840"/>
           </a:xfrm>
           <a:prstGeom prst="rect">
             <a:avLst/>
@@ -14405,7 +14405,7 @@
         <p:spPr>
           <a:xfrm>
             <a:off x="180000" y="6840000"/>
-            <a:ext cx="529200" cy="529200"/>
+            <a:ext cx="528840" cy="528840"/>
           </a:xfrm>
           <a:prstGeom prst="rect">
             <a:avLst/>
@@ -14483,7 +14483,7 @@
         <p:spPr>
           <a:xfrm>
             <a:off x="0" y="180000"/>
-            <a:ext cx="9709200" cy="1249200"/>
+            <a:ext cx="9708840" cy="1248840"/>
           </a:xfrm>
           <a:prstGeom prst="rect">
             <a:avLst/>
@@ -14530,7 +14530,7 @@
         <p:spPr>
           <a:xfrm>
             <a:off x="7560000" y="6840000"/>
-            <a:ext cx="2509200" cy="529200"/>
+            <a:ext cx="2508840" cy="528840"/>
           </a:xfrm>
           <a:prstGeom prst="rect">
             <a:avLst/>
@@ -14577,7 +14577,7 @@
         <p:spPr>
           <a:xfrm>
             <a:off x="900000" y="6840000"/>
-            <a:ext cx="6469200" cy="529200"/>
+            <a:ext cx="6468840" cy="528840"/>
           </a:xfrm>
           <a:prstGeom prst="rect">
             <a:avLst/>
@@ -14624,7 +14624,7 @@
         <p:spPr>
           <a:xfrm>
             <a:off x="180000" y="6840000"/>
-            <a:ext cx="529200" cy="529200"/>
+            <a:ext cx="528840" cy="528840"/>
           </a:xfrm>
           <a:prstGeom prst="rect">
             <a:avLst/>
@@ -15426,7 +15426,7 @@
         <p:spPr>
           <a:xfrm>
             <a:off x="0" y="180000"/>
-            <a:ext cx="9709200" cy="1249200"/>
+            <a:ext cx="9708840" cy="1248840"/>
           </a:xfrm>
           <a:prstGeom prst="rect">
             <a:avLst/>
@@ -15473,7 +15473,7 @@
         <p:spPr>
           <a:xfrm>
             <a:off x="7560000" y="6840000"/>
-            <a:ext cx="2509200" cy="529200"/>
+            <a:ext cx="2508840" cy="528840"/>
           </a:xfrm>
           <a:prstGeom prst="rect">
             <a:avLst/>
@@ -15520,7 +15520,7 @@
         <p:spPr>
           <a:xfrm>
             <a:off x="900000" y="6840000"/>
-            <a:ext cx="6469200" cy="529200"/>
+            <a:ext cx="6468840" cy="528840"/>
           </a:xfrm>
           <a:prstGeom prst="rect">
             <a:avLst/>
@@ -15567,7 +15567,7 @@
         <p:spPr>
           <a:xfrm>
             <a:off x="180000" y="6840000"/>
-            <a:ext cx="529200" cy="529200"/>
+            <a:ext cx="528840" cy="528840"/>
           </a:xfrm>
           <a:prstGeom prst="rect">
             <a:avLst/>
@@ -16369,7 +16369,7 @@
         <p:spPr>
           <a:xfrm>
             <a:off x="0" y="3150000"/>
-            <a:ext cx="9709200" cy="1249200"/>
+            <a:ext cx="9708840" cy="1248840"/>
           </a:xfrm>
           <a:prstGeom prst="rect">
             <a:avLst/>
@@ -17398,7 +17398,7 @@
         <p:spPr>
           <a:xfrm>
             <a:off x="0" y="3150000"/>
-            <a:ext cx="9709200" cy="1249200"/>
+            <a:ext cx="9708840" cy="1248840"/>
           </a:xfrm>
           <a:prstGeom prst="rect">
             <a:avLst/>
@@ -17478,7 +17478,7 @@
         <p:spPr>
           <a:xfrm>
             <a:off x="0" y="3150000"/>
-            <a:ext cx="9709200" cy="1249200"/>
+            <a:ext cx="9708840" cy="1248840"/>
           </a:xfrm>
           <a:prstGeom prst="rect">
             <a:avLst/>
@@ -17832,7 +17832,7 @@
         <p:spPr>
           <a:xfrm>
             <a:off x="0" y="3150000"/>
-            <a:ext cx="9709200" cy="1249200"/>
+            <a:ext cx="9708840" cy="1248840"/>
           </a:xfrm>
           <a:prstGeom prst="rect">
             <a:avLst/>
@@ -18186,7 +18186,7 @@
         <p:spPr>
           <a:xfrm>
             <a:off x="0" y="3150000"/>
-            <a:ext cx="9709200" cy="1249200"/>
+            <a:ext cx="9708840" cy="1248840"/>
           </a:xfrm>
           <a:prstGeom prst="rect">
             <a:avLst/>
@@ -18540,7 +18540,7 @@
         <p:spPr>
           <a:xfrm>
             <a:off x="0" y="3150000"/>
-            <a:ext cx="9709200" cy="1249200"/>
+            <a:ext cx="9708840" cy="1248840"/>
           </a:xfrm>
           <a:prstGeom prst="rect">
             <a:avLst/>
@@ -19119,7 +19119,7 @@
         <p:spPr>
           <a:xfrm>
             <a:off x="0" y="3150000"/>
-            <a:ext cx="9709200" cy="1249200"/>
+            <a:ext cx="9708840" cy="1248840"/>
           </a:xfrm>
           <a:prstGeom prst="rect">
             <a:avLst/>
@@ -19241,7 +19241,7 @@
         <p:spPr>
           <a:xfrm>
             <a:off x="360000" y="3330000"/>
-            <a:ext cx="9349200" cy="889200"/>
+            <a:ext cx="9348840" cy="888840"/>
           </a:xfrm>
           <a:prstGeom prst="rect">
             <a:avLst/>
@@ -19295,7 +19295,7 @@
         <p:spPr>
           <a:xfrm>
             <a:off x="540000" y="4680000"/>
-            <a:ext cx="9169200" cy="2509200"/>
+            <a:ext cx="9168840" cy="2508840"/>
           </a:xfrm>
           <a:prstGeom prst="rect">
             <a:avLst/>
@@ -19551,14 +19551,14 @@
       </p:grpSpPr>
       <p:sp>
         <p:nvSpPr>
-          <p:cNvPr id="233" name="CustomShape 40"/>
+          <p:cNvPr id="234" name="CustomShape 40"/>
           <p:cNvSpPr/>
           <p:nvPr/>
         </p:nvSpPr>
         <p:spPr>
           <a:xfrm>
             <a:off x="360000" y="360000"/>
-            <a:ext cx="9349200" cy="889200"/>
+            <a:ext cx="9348840" cy="888840"/>
           </a:xfrm>
           <a:prstGeom prst="rect">
             <a:avLst/>
@@ -19605,14 +19605,14 @@
       </p:sp>
       <p:sp>
         <p:nvSpPr>
-          <p:cNvPr id="234" name="CustomShape 41"/>
+          <p:cNvPr id="235" name="CustomShape 41"/>
           <p:cNvSpPr/>
           <p:nvPr/>
         </p:nvSpPr>
         <p:spPr>
           <a:xfrm>
             <a:off x="360000" y="1980000"/>
-            <a:ext cx="9169200" cy="4669200"/>
+            <a:ext cx="9168840" cy="4668840"/>
           </a:xfrm>
           <a:prstGeom prst="rect">
             <a:avLst/>
@@ -19668,14 +19668,14 @@
       </p:sp>
       <p:sp>
         <p:nvSpPr>
-          <p:cNvPr id="235" name="CustomShape 42"/>
+          <p:cNvPr id="236" name="CustomShape 42"/>
           <p:cNvSpPr/>
           <p:nvPr/>
         </p:nvSpPr>
         <p:spPr>
           <a:xfrm>
             <a:off x="897120" y="6886080"/>
-            <a:ext cx="6436440" cy="354240"/>
+            <a:ext cx="6436080" cy="353880"/>
           </a:xfrm>
           <a:prstGeom prst="rect">
             <a:avLst/>
@@ -19722,14 +19722,14 @@
       </p:sp>
       <p:sp>
         <p:nvSpPr>
-          <p:cNvPr id="236" name="CustomShape 43"/>
+          <p:cNvPr id="237" name="CustomShape 43"/>
           <p:cNvSpPr/>
           <p:nvPr/>
         </p:nvSpPr>
         <p:spPr>
           <a:xfrm>
             <a:off x="7608600" y="6886080"/>
-            <a:ext cx="2274480" cy="354240"/>
+            <a:ext cx="2274120" cy="353880"/>
           </a:xfrm>
           <a:prstGeom prst="rect">
             <a:avLst/>
@@ -19776,14 +19776,14 @@
       </p:sp>
       <p:sp>
         <p:nvSpPr>
-          <p:cNvPr id="237" name=""/>
+          <p:cNvPr id="238" name=""/>
           <p:cNvSpPr/>
           <p:nvPr/>
         </p:nvSpPr>
         <p:spPr>
           <a:xfrm>
             <a:off x="327960" y="1553760"/>
-            <a:ext cx="9190440" cy="5124960"/>
+            <a:ext cx="9190080" cy="5124600"/>
           </a:xfrm>
           <a:prstGeom prst="rect">
             <a:avLst/>
@@ -20180,14 +20180,14 @@
       </p:grpSpPr>
       <p:sp>
         <p:nvSpPr>
-          <p:cNvPr id="238" name="CustomShape 45"/>
+          <p:cNvPr id="239" name="CustomShape 45"/>
           <p:cNvSpPr/>
           <p:nvPr/>
         </p:nvSpPr>
         <p:spPr>
           <a:xfrm>
             <a:off x="360000" y="360000"/>
-            <a:ext cx="9349200" cy="889200"/>
+            <a:ext cx="9348840" cy="888840"/>
           </a:xfrm>
           <a:prstGeom prst="rect">
             <a:avLst/>
@@ -20234,14 +20234,14 @@
       </p:sp>
       <p:sp>
         <p:nvSpPr>
-          <p:cNvPr id="239" name="CustomShape 46"/>
+          <p:cNvPr id="240" name="CustomShape 46"/>
           <p:cNvSpPr/>
           <p:nvPr/>
         </p:nvSpPr>
         <p:spPr>
           <a:xfrm>
             <a:off x="360000" y="1980000"/>
-            <a:ext cx="9169200" cy="4669200"/>
+            <a:ext cx="9168840" cy="4668840"/>
           </a:xfrm>
           <a:prstGeom prst="rect">
             <a:avLst/>
@@ -20297,14 +20297,14 @@
       </p:sp>
       <p:sp>
         <p:nvSpPr>
-          <p:cNvPr id="240" name="CustomShape 47"/>
+          <p:cNvPr id="241" name="CustomShape 47"/>
           <p:cNvSpPr/>
           <p:nvPr/>
         </p:nvSpPr>
         <p:spPr>
           <a:xfrm>
             <a:off x="897120" y="6886080"/>
-            <a:ext cx="6436440" cy="354240"/>
+            <a:ext cx="6436080" cy="353880"/>
           </a:xfrm>
           <a:prstGeom prst="rect">
             <a:avLst/>
@@ -20351,14 +20351,14 @@
       </p:sp>
       <p:sp>
         <p:nvSpPr>
-          <p:cNvPr id="241" name="CustomShape 48"/>
+          <p:cNvPr id="242" name="CustomShape 48"/>
           <p:cNvSpPr/>
           <p:nvPr/>
         </p:nvSpPr>
         <p:spPr>
           <a:xfrm>
             <a:off x="7608600" y="6886080"/>
-            <a:ext cx="2274480" cy="354240"/>
+            <a:ext cx="2274120" cy="353880"/>
           </a:xfrm>
           <a:prstGeom prst="rect">
             <a:avLst/>
@@ -20405,14 +20405,14 @@
       </p:sp>
       <p:sp>
         <p:nvSpPr>
-          <p:cNvPr id="242" name=""/>
+          <p:cNvPr id="243" name=""/>
           <p:cNvSpPr/>
           <p:nvPr/>
         </p:nvSpPr>
         <p:spPr>
           <a:xfrm>
             <a:off x="327600" y="1553760"/>
-            <a:ext cx="9190440" cy="5124960"/>
+            <a:ext cx="9190080" cy="5124600"/>
           </a:xfrm>
           <a:prstGeom prst="rect">
             <a:avLst/>
@@ -20707,14 +20707,14 @@
       </p:sp>
       <p:sp>
         <p:nvSpPr>
-          <p:cNvPr id="243" name=""/>
+          <p:cNvPr id="244" name=""/>
           <p:cNvSpPr/>
           <p:nvPr/>
         </p:nvSpPr>
         <p:spPr>
           <a:xfrm>
             <a:off x="3501720" y="1623960"/>
-            <a:ext cx="6262200" cy="351360"/>
+            <a:ext cx="6261840" cy="351000"/>
           </a:xfrm>
           <a:prstGeom prst="rect">
             <a:avLst/>
@@ -20761,7 +20761,7 @@
       </p:sp>
       <p:pic>
         <p:nvPicPr>
-          <p:cNvPr id="244" name="" descr=""/>
+          <p:cNvPr id="245" name="" descr=""/>
           <p:cNvPicPr/>
           <p:nvPr/>
         </p:nvPicPr>
@@ -20772,7 +20772,7 @@
         <p:spPr>
           <a:xfrm>
             <a:off x="5984280" y="1973520"/>
-            <a:ext cx="3581640" cy="4799160"/>
+            <a:ext cx="3581280" cy="4798800"/>
           </a:xfrm>
           <a:prstGeom prst="rect">
             <a:avLst/>
@@ -20784,7 +20784,7 @@
       </p:pic>
       <p:pic>
         <p:nvPicPr>
-          <p:cNvPr id="245" name="" descr=""/>
+          <p:cNvPr id="246" name="" descr=""/>
           <p:cNvPicPr/>
           <p:nvPr/>
         </p:nvPicPr>
@@ -20795,7 +20795,7 @@
         <p:spPr>
           <a:xfrm>
             <a:off x="540000" y="1553760"/>
-            <a:ext cx="2052360" cy="575640"/>
+            <a:ext cx="2052000" cy="575280"/>
           </a:xfrm>
           <a:prstGeom prst="rect">
             <a:avLst/>
@@ -20837,14 +20837,14 @@
       </p:grpSpPr>
       <p:sp>
         <p:nvSpPr>
-          <p:cNvPr id="246" name="CustomShape 80"/>
+          <p:cNvPr id="247" name="CustomShape 80"/>
           <p:cNvSpPr/>
           <p:nvPr/>
         </p:nvSpPr>
         <p:spPr>
           <a:xfrm>
             <a:off x="360000" y="360000"/>
-            <a:ext cx="9349200" cy="889200"/>
+            <a:ext cx="9348840" cy="888840"/>
           </a:xfrm>
           <a:prstGeom prst="rect">
             <a:avLst/>
@@ -20891,14 +20891,14 @@
       </p:sp>
       <p:sp>
         <p:nvSpPr>
-          <p:cNvPr id="247" name="CustomShape 81"/>
+          <p:cNvPr id="248" name="CustomShape 81"/>
           <p:cNvSpPr/>
           <p:nvPr/>
         </p:nvSpPr>
         <p:spPr>
           <a:xfrm>
             <a:off x="360000" y="1980000"/>
-            <a:ext cx="9169200" cy="4669200"/>
+            <a:ext cx="9168840" cy="4668840"/>
           </a:xfrm>
           <a:prstGeom prst="rect">
             <a:avLst/>
@@ -20954,14 +20954,14 @@
       </p:sp>
       <p:sp>
         <p:nvSpPr>
-          <p:cNvPr id="248" name="CustomShape 82"/>
+          <p:cNvPr id="249" name="CustomShape 82"/>
           <p:cNvSpPr/>
           <p:nvPr/>
         </p:nvSpPr>
         <p:spPr>
           <a:xfrm>
             <a:off x="897120" y="6886080"/>
-            <a:ext cx="6436440" cy="354240"/>
+            <a:ext cx="6436080" cy="353880"/>
           </a:xfrm>
           <a:prstGeom prst="rect">
             <a:avLst/>
@@ -21008,14 +21008,14 @@
       </p:sp>
       <p:sp>
         <p:nvSpPr>
-          <p:cNvPr id="249" name="CustomShape 83"/>
+          <p:cNvPr id="250" name="CustomShape 83"/>
           <p:cNvSpPr/>
           <p:nvPr/>
         </p:nvSpPr>
         <p:spPr>
           <a:xfrm>
             <a:off x="7608600" y="6886080"/>
-            <a:ext cx="2274480" cy="354240"/>
+            <a:ext cx="2274120" cy="353880"/>
           </a:xfrm>
           <a:prstGeom prst="rect">
             <a:avLst/>
@@ -21062,14 +21062,14 @@
       </p:sp>
       <p:sp>
         <p:nvSpPr>
-          <p:cNvPr id="250" name=""/>
+          <p:cNvPr id="251" name=""/>
           <p:cNvSpPr/>
           <p:nvPr/>
         </p:nvSpPr>
         <p:spPr>
           <a:xfrm>
             <a:off x="327600" y="1553760"/>
-            <a:ext cx="9190440" cy="5124960"/>
+            <a:ext cx="9190080" cy="5124600"/>
           </a:xfrm>
           <a:prstGeom prst="rect">
             <a:avLst/>
@@ -21565,7 +21565,7 @@
       </p:sp>
       <p:pic>
         <p:nvPicPr>
-          <p:cNvPr id="251" name="" descr=""/>
+          <p:cNvPr id="252" name="" descr=""/>
           <p:cNvPicPr/>
           <p:nvPr/>
         </p:nvPicPr>
@@ -21576,7 +21576,7 @@
         <p:spPr>
           <a:xfrm>
             <a:off x="6247080" y="2325600"/>
-            <a:ext cx="3318840" cy="4447080"/>
+            <a:ext cx="3318480" cy="4446720"/>
           </a:xfrm>
           <a:prstGeom prst="rect">
             <a:avLst/>
@@ -21588,14 +21588,14 @@
       </p:pic>
       <p:sp>
         <p:nvSpPr>
-          <p:cNvPr id="252" name=""/>
+          <p:cNvPr id="253" name=""/>
           <p:cNvSpPr/>
           <p:nvPr/>
         </p:nvSpPr>
         <p:spPr>
           <a:xfrm>
             <a:off x="3501720" y="1623960"/>
-            <a:ext cx="6262200" cy="351360"/>
+            <a:ext cx="6261840" cy="351000"/>
           </a:xfrm>
           <a:prstGeom prst="rect">
             <a:avLst/>
@@ -21642,7 +21642,7 @@
       </p:sp>
       <p:pic>
         <p:nvPicPr>
-          <p:cNvPr id="253" name="" descr=""/>
+          <p:cNvPr id="254" name="" descr=""/>
           <p:cNvPicPr/>
           <p:nvPr/>
         </p:nvPicPr>
@@ -21653,7 +21653,7 @@
         <p:spPr>
           <a:xfrm>
             <a:off x="540360" y="1554120"/>
-            <a:ext cx="1438200" cy="403200"/>
+            <a:ext cx="1437840" cy="402840"/>
           </a:xfrm>
           <a:prstGeom prst="rect">
             <a:avLst/>
@@ -21695,14 +21695,14 @@
       </p:grpSpPr>
       <p:sp>
         <p:nvSpPr>
-          <p:cNvPr id="254" name="CustomShape 50"/>
+          <p:cNvPr id="255" name="CustomShape 50"/>
           <p:cNvSpPr/>
           <p:nvPr/>
         </p:nvSpPr>
         <p:spPr>
           <a:xfrm>
             <a:off x="360000" y="360000"/>
-            <a:ext cx="9349200" cy="889200"/>
+            <a:ext cx="9348840" cy="888840"/>
           </a:xfrm>
           <a:prstGeom prst="rect">
             <a:avLst/>
@@ -21749,14 +21749,14 @@
       </p:sp>
       <p:sp>
         <p:nvSpPr>
-          <p:cNvPr id="255" name="CustomShape 52"/>
+          <p:cNvPr id="256" name="CustomShape 52"/>
           <p:cNvSpPr/>
           <p:nvPr/>
         </p:nvSpPr>
         <p:spPr>
           <a:xfrm>
             <a:off x="897120" y="6886080"/>
-            <a:ext cx="6436440" cy="354240"/>
+            <a:ext cx="6436080" cy="353880"/>
           </a:xfrm>
           <a:prstGeom prst="rect">
             <a:avLst/>
@@ -21803,14 +21803,14 @@
       </p:sp>
       <p:sp>
         <p:nvSpPr>
-          <p:cNvPr id="256" name="CustomShape 53"/>
+          <p:cNvPr id="257" name="CustomShape 53"/>
           <p:cNvSpPr/>
           <p:nvPr/>
         </p:nvSpPr>
         <p:spPr>
           <a:xfrm>
             <a:off x="7608600" y="6886080"/>
-            <a:ext cx="2274480" cy="354240"/>
+            <a:ext cx="2274120" cy="353880"/>
           </a:xfrm>
           <a:prstGeom prst="rect">
             <a:avLst/>
@@ -21857,14 +21857,14 @@
       </p:sp>
       <p:sp>
         <p:nvSpPr>
-          <p:cNvPr id="257" name=""/>
+          <p:cNvPr id="258" name=""/>
           <p:cNvSpPr/>
           <p:nvPr/>
         </p:nvSpPr>
         <p:spPr>
           <a:xfrm>
             <a:off x="327600" y="1553760"/>
-            <a:ext cx="9190440" cy="5124960"/>
+            <a:ext cx="9190080" cy="5124600"/>
           </a:xfrm>
           <a:prstGeom prst="rect">
             <a:avLst/>
@@ -22404,7 +22404,7 @@
       </p:sp>
       <p:pic>
         <p:nvPicPr>
-          <p:cNvPr id="258" name="" descr=""/>
+          <p:cNvPr id="259" name="" descr=""/>
           <p:cNvPicPr/>
           <p:nvPr/>
         </p:nvPicPr>
@@ -22415,7 +22415,7 @@
         <p:spPr>
           <a:xfrm>
             <a:off x="6463800" y="2325600"/>
-            <a:ext cx="3102120" cy="4156560"/>
+            <a:ext cx="3101760" cy="4156200"/>
           </a:xfrm>
           <a:prstGeom prst="rect">
             <a:avLst/>
@@ -22427,14 +22427,14 @@
       </p:pic>
       <p:sp>
         <p:nvSpPr>
-          <p:cNvPr id="259" name=""/>
+          <p:cNvPr id="260" name=""/>
           <p:cNvSpPr/>
           <p:nvPr/>
         </p:nvSpPr>
         <p:spPr>
           <a:xfrm>
             <a:off x="3501720" y="1623960"/>
-            <a:ext cx="6262200" cy="351360"/>
+            <a:ext cx="6261840" cy="351000"/>
           </a:xfrm>
           <a:prstGeom prst="rect">
             <a:avLst/>
@@ -22481,7 +22481,7 @@
       </p:sp>
       <p:pic>
         <p:nvPicPr>
-          <p:cNvPr id="260" name="" descr=""/>
+          <p:cNvPr id="261" name="" descr=""/>
           <p:cNvPicPr/>
           <p:nvPr/>
         </p:nvPicPr>
@@ -22492,7 +22492,7 @@
         <p:spPr>
           <a:xfrm>
             <a:off x="540720" y="1554120"/>
-            <a:ext cx="1438200" cy="403200"/>
+            <a:ext cx="1437840" cy="402840"/>
           </a:xfrm>
           <a:prstGeom prst="rect">
             <a:avLst/>
@@ -22534,14 +22534,14 @@
       </p:grpSpPr>
       <p:sp>
         <p:nvSpPr>
-          <p:cNvPr id="261" name="CustomShape 55"/>
+          <p:cNvPr id="262" name="CustomShape 55"/>
           <p:cNvSpPr/>
           <p:nvPr/>
         </p:nvSpPr>
         <p:spPr>
           <a:xfrm>
             <a:off x="360000" y="360000"/>
-            <a:ext cx="9349200" cy="889200"/>
+            <a:ext cx="9348840" cy="888840"/>
           </a:xfrm>
           <a:prstGeom prst="rect">
             <a:avLst/>
@@ -22588,14 +22588,14 @@
       </p:sp>
       <p:sp>
         <p:nvSpPr>
-          <p:cNvPr id="262" name="CustomShape 56"/>
+          <p:cNvPr id="263" name="CustomShape 56"/>
           <p:cNvSpPr/>
           <p:nvPr/>
         </p:nvSpPr>
         <p:spPr>
           <a:xfrm>
             <a:off x="360000" y="1980000"/>
-            <a:ext cx="9169200" cy="4669200"/>
+            <a:ext cx="9168840" cy="4668840"/>
           </a:xfrm>
           <a:prstGeom prst="rect">
             <a:avLst/>
@@ -22651,14 +22651,14 @@
       </p:sp>
       <p:sp>
         <p:nvSpPr>
-          <p:cNvPr id="263" name="CustomShape 57"/>
+          <p:cNvPr id="264" name="CustomShape 57"/>
           <p:cNvSpPr/>
           <p:nvPr/>
         </p:nvSpPr>
         <p:spPr>
           <a:xfrm>
             <a:off x="897120" y="6886080"/>
-            <a:ext cx="6436440" cy="354240"/>
+            <a:ext cx="6436080" cy="353880"/>
           </a:xfrm>
           <a:prstGeom prst="rect">
             <a:avLst/>
@@ -22705,14 +22705,14 @@
       </p:sp>
       <p:sp>
         <p:nvSpPr>
-          <p:cNvPr id="264" name="CustomShape 58"/>
+          <p:cNvPr id="265" name="CustomShape 58"/>
           <p:cNvSpPr/>
           <p:nvPr/>
         </p:nvSpPr>
         <p:spPr>
           <a:xfrm>
             <a:off x="7608600" y="6886080"/>
-            <a:ext cx="2274480" cy="354240"/>
+            <a:ext cx="2274120" cy="353880"/>
           </a:xfrm>
           <a:prstGeom prst="rect">
             <a:avLst/>
@@ -22759,14 +22759,14 @@
       </p:sp>
       <p:sp>
         <p:nvSpPr>
-          <p:cNvPr id="265" name=""/>
+          <p:cNvPr id="266" name=""/>
           <p:cNvSpPr/>
           <p:nvPr/>
         </p:nvSpPr>
         <p:spPr>
           <a:xfrm>
             <a:off x="327960" y="1553760"/>
-            <a:ext cx="9190440" cy="5124960"/>
+            <a:ext cx="9190080" cy="5124600"/>
           </a:xfrm>
           <a:prstGeom prst="rect">
             <a:avLst/>
@@ -22858,10 +22858,16 @@
             </a:endParaRPr>
           </a:p>
           <a:p>
-            <a:pPr>
+            <a:pPr lvl="1" marL="432000" indent="-216000">
               <a:lnSpc>
                 <a:spcPct val="150000"/>
               </a:lnSpc>
+              <a:buClr>
+                <a:srgbClr val="000000"/>
+              </a:buClr>
+              <a:buSzPct val="45000"/>
+              <a:buFont typeface="Wingdings" charset="2"/>
+              <a:buChar char=""/>
             </a:pPr>
             <a:r>
               <a:rPr b="0" lang="pt-BR" sz="1800" spc="-1" strike="noStrike">
@@ -23088,7 +23094,7 @@
       </p:sp>
       <p:pic>
         <p:nvPicPr>
-          <p:cNvPr id="266" name="" descr=""/>
+          <p:cNvPr id="267" name="" descr=""/>
           <p:cNvPicPr/>
           <p:nvPr/>
         </p:nvPicPr>
@@ -23099,7 +23105,7 @@
         <p:spPr>
           <a:xfrm>
             <a:off x="6275160" y="2185560"/>
-            <a:ext cx="3318840" cy="4447080"/>
+            <a:ext cx="3318480" cy="4446720"/>
           </a:xfrm>
           <a:prstGeom prst="rect">
             <a:avLst/>
@@ -23111,14 +23117,14 @@
       </p:pic>
       <p:sp>
         <p:nvSpPr>
-          <p:cNvPr id="267" name=""/>
+          <p:cNvPr id="268" name=""/>
           <p:cNvSpPr/>
           <p:nvPr/>
         </p:nvSpPr>
         <p:spPr>
           <a:xfrm>
             <a:off x="3501720" y="1623960"/>
-            <a:ext cx="6262200" cy="351360"/>
+            <a:ext cx="6261840" cy="351000"/>
           </a:xfrm>
           <a:prstGeom prst="rect">
             <a:avLst/>
@@ -23165,7 +23171,7 @@
       </p:sp>
       <p:pic>
         <p:nvPicPr>
-          <p:cNvPr id="268" name="" descr=""/>
+          <p:cNvPr id="269" name="" descr=""/>
           <p:cNvPicPr/>
           <p:nvPr/>
         </p:nvPicPr>
@@ -23176,7 +23182,7 @@
         <p:spPr>
           <a:xfrm>
             <a:off x="540720" y="1554120"/>
-            <a:ext cx="1438200" cy="403200"/>
+            <a:ext cx="1437840" cy="402840"/>
           </a:xfrm>
           <a:prstGeom prst="rect">
             <a:avLst/>
@@ -23218,14 +23224,14 @@
       </p:grpSpPr>
       <p:sp>
         <p:nvSpPr>
-          <p:cNvPr id="269" name="CustomShape 60"/>
+          <p:cNvPr id="270" name="CustomShape 60"/>
           <p:cNvSpPr/>
           <p:nvPr/>
         </p:nvSpPr>
         <p:spPr>
           <a:xfrm>
             <a:off x="360000" y="360000"/>
-            <a:ext cx="9349200" cy="889200"/>
+            <a:ext cx="9348840" cy="888840"/>
           </a:xfrm>
           <a:prstGeom prst="rect">
             <a:avLst/>
@@ -23272,14 +23278,14 @@
       </p:sp>
       <p:sp>
         <p:nvSpPr>
-          <p:cNvPr id="270" name="CustomShape 61"/>
+          <p:cNvPr id="271" name="CustomShape 61"/>
           <p:cNvSpPr/>
           <p:nvPr/>
         </p:nvSpPr>
         <p:spPr>
           <a:xfrm>
             <a:off x="360000" y="1980000"/>
-            <a:ext cx="9169200" cy="4669200"/>
+            <a:ext cx="9168840" cy="4668840"/>
           </a:xfrm>
           <a:prstGeom prst="rect">
             <a:avLst/>
@@ -23335,14 +23341,14 @@
       </p:sp>
       <p:sp>
         <p:nvSpPr>
-          <p:cNvPr id="271" name="CustomShape 62"/>
+          <p:cNvPr id="272" name="CustomShape 62"/>
           <p:cNvSpPr/>
           <p:nvPr/>
         </p:nvSpPr>
         <p:spPr>
           <a:xfrm>
             <a:off x="897120" y="6886080"/>
-            <a:ext cx="6436440" cy="354240"/>
+            <a:ext cx="6436080" cy="353880"/>
           </a:xfrm>
           <a:prstGeom prst="rect">
             <a:avLst/>
@@ -23389,14 +23395,14 @@
       </p:sp>
       <p:sp>
         <p:nvSpPr>
-          <p:cNvPr id="272" name="CustomShape 63"/>
+          <p:cNvPr id="273" name="CustomShape 63"/>
           <p:cNvSpPr/>
           <p:nvPr/>
         </p:nvSpPr>
         <p:spPr>
           <a:xfrm>
             <a:off x="7608600" y="6886080"/>
-            <a:ext cx="2274480" cy="354240"/>
+            <a:ext cx="2274120" cy="353880"/>
           </a:xfrm>
           <a:prstGeom prst="rect">
             <a:avLst/>
@@ -23443,14 +23449,14 @@
       </p:sp>
       <p:sp>
         <p:nvSpPr>
-          <p:cNvPr id="273" name=""/>
+          <p:cNvPr id="274" name=""/>
           <p:cNvSpPr/>
           <p:nvPr/>
         </p:nvSpPr>
         <p:spPr>
           <a:xfrm>
             <a:off x="327960" y="1553760"/>
-            <a:ext cx="9190440" cy="5124960"/>
+            <a:ext cx="9190080" cy="5124600"/>
           </a:xfrm>
           <a:prstGeom prst="rect">
             <a:avLst/>
@@ -23645,7 +23651,7 @@
       </p:sp>
       <p:pic>
         <p:nvPicPr>
-          <p:cNvPr id="274" name="" descr=""/>
+          <p:cNvPr id="275" name="" descr=""/>
           <p:cNvPicPr/>
           <p:nvPr/>
         </p:nvPicPr>
@@ -23656,7 +23662,7 @@
         <p:spPr>
           <a:xfrm>
             <a:off x="3060000" y="3918600"/>
-            <a:ext cx="4549320" cy="2777760"/>
+            <a:ext cx="4548960" cy="2777400"/>
           </a:xfrm>
           <a:prstGeom prst="rect">
             <a:avLst/>
@@ -23698,14 +23704,14 @@
       </p:grpSpPr>
       <p:sp>
         <p:nvSpPr>
-          <p:cNvPr id="275" name="CustomShape 65"/>
+          <p:cNvPr id="276" name="CustomShape 65"/>
           <p:cNvSpPr/>
           <p:nvPr/>
         </p:nvSpPr>
         <p:spPr>
           <a:xfrm>
             <a:off x="360000" y="360000"/>
-            <a:ext cx="9349200" cy="889200"/>
+            <a:ext cx="9348840" cy="888840"/>
           </a:xfrm>
           <a:prstGeom prst="rect">
             <a:avLst/>
@@ -23752,14 +23758,14 @@
       </p:sp>
       <p:sp>
         <p:nvSpPr>
-          <p:cNvPr id="276" name="CustomShape 66"/>
+          <p:cNvPr id="277" name="CustomShape 66"/>
           <p:cNvSpPr/>
           <p:nvPr/>
         </p:nvSpPr>
         <p:spPr>
           <a:xfrm>
             <a:off x="360000" y="1980000"/>
-            <a:ext cx="9169200" cy="4669200"/>
+            <a:ext cx="9168840" cy="4668840"/>
           </a:xfrm>
           <a:prstGeom prst="rect">
             <a:avLst/>
@@ -23815,14 +23821,14 @@
       </p:sp>
       <p:sp>
         <p:nvSpPr>
-          <p:cNvPr id="277" name="CustomShape 67"/>
+          <p:cNvPr id="278" name="CustomShape 67"/>
           <p:cNvSpPr/>
           <p:nvPr/>
         </p:nvSpPr>
         <p:spPr>
           <a:xfrm>
             <a:off x="897120" y="6886080"/>
-            <a:ext cx="6436440" cy="354240"/>
+            <a:ext cx="6436080" cy="353880"/>
           </a:xfrm>
           <a:prstGeom prst="rect">
             <a:avLst/>
@@ -23869,14 +23875,14 @@
       </p:sp>
       <p:sp>
         <p:nvSpPr>
-          <p:cNvPr id="278" name="CustomShape 68"/>
+          <p:cNvPr id="279" name="CustomShape 68"/>
           <p:cNvSpPr/>
           <p:nvPr/>
         </p:nvSpPr>
         <p:spPr>
           <a:xfrm>
             <a:off x="7608600" y="6886080"/>
-            <a:ext cx="2274480" cy="354240"/>
+            <a:ext cx="2274120" cy="353880"/>
           </a:xfrm>
           <a:prstGeom prst="rect">
             <a:avLst/>
@@ -23923,14 +23929,14 @@
       </p:sp>
       <p:sp>
         <p:nvSpPr>
-          <p:cNvPr id="279" name=""/>
+          <p:cNvPr id="280" name=""/>
           <p:cNvSpPr/>
           <p:nvPr/>
         </p:nvSpPr>
         <p:spPr>
           <a:xfrm>
             <a:off x="327960" y="1553760"/>
-            <a:ext cx="9190440" cy="5124960"/>
+            <a:ext cx="9190080" cy="5124600"/>
           </a:xfrm>
           <a:prstGeom prst="rect">
             <a:avLst/>
@@ -24226,14 +24232,14 @@
       </p:grpSpPr>
       <p:sp>
         <p:nvSpPr>
-          <p:cNvPr id="280" name="CustomShape 70"/>
+          <p:cNvPr id="281" name="CustomShape 70"/>
           <p:cNvSpPr/>
           <p:nvPr/>
         </p:nvSpPr>
         <p:spPr>
           <a:xfrm>
             <a:off x="360000" y="360000"/>
-            <a:ext cx="9349200" cy="889200"/>
+            <a:ext cx="9348840" cy="888840"/>
           </a:xfrm>
           <a:prstGeom prst="rect">
             <a:avLst/>
@@ -24280,14 +24286,14 @@
       </p:sp>
       <p:sp>
         <p:nvSpPr>
-          <p:cNvPr id="281" name="CustomShape 71"/>
+          <p:cNvPr id="282" name="CustomShape 71"/>
           <p:cNvSpPr/>
           <p:nvPr/>
         </p:nvSpPr>
         <p:spPr>
           <a:xfrm>
             <a:off x="360000" y="1980000"/>
-            <a:ext cx="9169200" cy="4669200"/>
+            <a:ext cx="9168840" cy="4668840"/>
           </a:xfrm>
           <a:prstGeom prst="rect">
             <a:avLst/>
@@ -24343,14 +24349,14 @@
       </p:sp>
       <p:sp>
         <p:nvSpPr>
-          <p:cNvPr id="282" name="CustomShape 72"/>
+          <p:cNvPr id="283" name="CustomShape 72"/>
           <p:cNvSpPr/>
           <p:nvPr/>
         </p:nvSpPr>
         <p:spPr>
           <a:xfrm>
             <a:off x="897120" y="6886080"/>
-            <a:ext cx="6436440" cy="354240"/>
+            <a:ext cx="6436080" cy="353880"/>
           </a:xfrm>
           <a:prstGeom prst="rect">
             <a:avLst/>
@@ -24397,14 +24403,14 @@
       </p:sp>
       <p:sp>
         <p:nvSpPr>
-          <p:cNvPr id="283" name="CustomShape 73"/>
+          <p:cNvPr id="284" name="CustomShape 73"/>
           <p:cNvSpPr/>
           <p:nvPr/>
         </p:nvSpPr>
         <p:spPr>
           <a:xfrm>
             <a:off x="7608600" y="6886080"/>
-            <a:ext cx="2274480" cy="354240"/>
+            <a:ext cx="2274120" cy="353880"/>
           </a:xfrm>
           <a:prstGeom prst="rect">
             <a:avLst/>
@@ -24451,14 +24457,14 @@
       </p:sp>
       <p:sp>
         <p:nvSpPr>
-          <p:cNvPr id="284" name=""/>
+          <p:cNvPr id="285" name=""/>
           <p:cNvSpPr/>
           <p:nvPr/>
         </p:nvSpPr>
         <p:spPr>
           <a:xfrm>
             <a:off x="327960" y="1553760"/>
-            <a:ext cx="9190440" cy="5124960"/>
+            <a:ext cx="9190080" cy="5124600"/>
           </a:xfrm>
           <a:prstGeom prst="rect">
             <a:avLst/>
@@ -24642,7 +24648,7 @@
         <p:spPr>
           <a:xfrm>
             <a:off x="360000" y="360000"/>
-            <a:ext cx="9349200" cy="889200"/>
+            <a:ext cx="9348840" cy="888840"/>
           </a:xfrm>
           <a:prstGeom prst="rect">
             <a:avLst/>
@@ -24696,7 +24702,7 @@
         <p:spPr>
           <a:xfrm>
             <a:off x="360000" y="1980000"/>
-            <a:ext cx="9169200" cy="4669200"/>
+            <a:ext cx="9168840" cy="4668840"/>
           </a:xfrm>
           <a:prstGeom prst="rect">
             <a:avLst/>
@@ -24903,7 +24909,7 @@
         <p:spPr>
           <a:xfrm>
             <a:off x="897120" y="6886080"/>
-            <a:ext cx="6436440" cy="354240"/>
+            <a:ext cx="6436080" cy="353880"/>
           </a:xfrm>
           <a:prstGeom prst="rect">
             <a:avLst/>
@@ -24957,7 +24963,7 @@
         <p:spPr>
           <a:xfrm>
             <a:off x="7608600" y="6886080"/>
-            <a:ext cx="2274480" cy="354240"/>
+            <a:ext cx="2274120" cy="353880"/>
           </a:xfrm>
           <a:prstGeom prst="rect">
             <a:avLst/>
@@ -25041,7 +25047,7 @@
         <p:spPr>
           <a:xfrm>
             <a:off x="360000" y="360000"/>
-            <a:ext cx="9349200" cy="889200"/>
+            <a:ext cx="9348840" cy="888840"/>
           </a:xfrm>
           <a:prstGeom prst="rect">
             <a:avLst/>
@@ -25095,7 +25101,7 @@
         <p:spPr>
           <a:xfrm>
             <a:off x="360000" y="1980000"/>
-            <a:ext cx="9169200" cy="4669200"/>
+            <a:ext cx="9168840" cy="4668840"/>
           </a:xfrm>
           <a:prstGeom prst="rect">
             <a:avLst/>
@@ -25158,7 +25164,7 @@
         <p:spPr>
           <a:xfrm>
             <a:off x="897120" y="6886080"/>
-            <a:ext cx="6436440" cy="354240"/>
+            <a:ext cx="6436080" cy="353880"/>
           </a:xfrm>
           <a:prstGeom prst="rect">
             <a:avLst/>
@@ -25212,7 +25218,7 @@
         <p:spPr>
           <a:xfrm>
             <a:off x="7608600" y="6886080"/>
-            <a:ext cx="2274480" cy="354240"/>
+            <a:ext cx="2274120" cy="353880"/>
           </a:xfrm>
           <a:prstGeom prst="rect">
             <a:avLst/>
@@ -25266,7 +25272,7 @@
         <p:spPr>
           <a:xfrm>
             <a:off x="342360" y="1529280"/>
-            <a:ext cx="6770520" cy="5358960"/>
+            <a:ext cx="6770160" cy="5358600"/>
           </a:xfrm>
           <a:prstGeom prst="rect">
             <a:avLst/>
@@ -25519,7 +25525,7 @@
         <p:spPr>
           <a:xfrm>
             <a:off x="4114800" y="2372760"/>
-            <a:ext cx="3330000" cy="2884320"/>
+            <a:ext cx="3329640" cy="2883960"/>
           </a:xfrm>
           <a:prstGeom prst="rect">
             <a:avLst/>
@@ -25568,7 +25574,7 @@
         <p:spPr>
           <a:xfrm>
             <a:off x="360000" y="360000"/>
-            <a:ext cx="9349200" cy="889200"/>
+            <a:ext cx="9348840" cy="888840"/>
           </a:xfrm>
           <a:prstGeom prst="rect">
             <a:avLst/>
@@ -25622,7 +25628,7 @@
         <p:spPr>
           <a:xfrm>
             <a:off x="360000" y="1980000"/>
-            <a:ext cx="9169200" cy="4669200"/>
+            <a:ext cx="9168840" cy="4668840"/>
           </a:xfrm>
           <a:prstGeom prst="rect">
             <a:avLst/>
@@ -25685,7 +25691,7 @@
         <p:spPr>
           <a:xfrm>
             <a:off x="897120" y="6886080"/>
-            <a:ext cx="6436440" cy="354240"/>
+            <a:ext cx="6436080" cy="353880"/>
           </a:xfrm>
           <a:prstGeom prst="rect">
             <a:avLst/>
@@ -25739,7 +25745,7 @@
         <p:spPr>
           <a:xfrm>
             <a:off x="7608600" y="6886080"/>
-            <a:ext cx="2274480" cy="354240"/>
+            <a:ext cx="2274120" cy="353880"/>
           </a:xfrm>
           <a:prstGeom prst="rect">
             <a:avLst/>
@@ -25793,7 +25799,7 @@
         <p:spPr>
           <a:xfrm>
             <a:off x="327960" y="1553760"/>
-            <a:ext cx="9190440" cy="5124960"/>
+            <a:ext cx="9190080" cy="5124600"/>
           </a:xfrm>
           <a:prstGeom prst="rect">
             <a:avLst/>
@@ -25938,7 +25944,7 @@
         <p:spPr>
           <a:xfrm>
             <a:off x="2171520" y="2815560"/>
-            <a:ext cx="6130440" cy="3835080"/>
+            <a:ext cx="6130080" cy="3834720"/>
           </a:xfrm>
           <a:prstGeom prst="rect">
             <a:avLst/>
@@ -25991,7 +25997,7 @@
         <p:spPr>
           <a:xfrm>
             <a:off x="5091120" y="3344040"/>
-            <a:ext cx="4549320" cy="2777760"/>
+            <a:ext cx="4548960" cy="2777400"/>
           </a:xfrm>
           <a:prstGeom prst="rect">
             <a:avLst/>
@@ -26010,7 +26016,7 @@
         <p:spPr>
           <a:xfrm>
             <a:off x="360000" y="360000"/>
-            <a:ext cx="9349200" cy="889200"/>
+            <a:ext cx="9348840" cy="888840"/>
           </a:xfrm>
           <a:prstGeom prst="rect">
             <a:avLst/>
@@ -26064,7 +26070,7 @@
         <p:spPr>
           <a:xfrm>
             <a:off x="360000" y="1980000"/>
-            <a:ext cx="9169200" cy="4669200"/>
+            <a:ext cx="9168840" cy="4668840"/>
           </a:xfrm>
           <a:prstGeom prst="rect">
             <a:avLst/>
@@ -26127,7 +26133,7 @@
         <p:spPr>
           <a:xfrm>
             <a:off x="897120" y="6886080"/>
-            <a:ext cx="6436440" cy="354240"/>
+            <a:ext cx="6436080" cy="353880"/>
           </a:xfrm>
           <a:prstGeom prst="rect">
             <a:avLst/>
@@ -26181,7 +26187,7 @@
         <p:spPr>
           <a:xfrm>
             <a:off x="7608600" y="6886080"/>
-            <a:ext cx="2274480" cy="354240"/>
+            <a:ext cx="2274120" cy="353880"/>
           </a:xfrm>
           <a:prstGeom prst="rect">
             <a:avLst/>
@@ -26235,7 +26241,7 @@
         <p:spPr>
           <a:xfrm>
             <a:off x="327960" y="1553760"/>
-            <a:ext cx="9190440" cy="5124960"/>
+            <a:ext cx="9190080" cy="5124600"/>
           </a:xfrm>
           <a:prstGeom prst="rect">
             <a:avLst/>
@@ -26380,7 +26386,7 @@
         <p:spPr>
           <a:xfrm>
             <a:off x="505440" y="2927160"/>
-            <a:ext cx="3649680" cy="3330720"/>
+            <a:ext cx="3649320" cy="3330360"/>
           </a:xfrm>
           <a:prstGeom prst="rect">
             <a:avLst/>
@@ -26399,7 +26405,7 @@
         <p:spPr>
           <a:xfrm>
             <a:off x="4343400" y="3429000"/>
-            <a:ext cx="1370880" cy="685080"/>
+            <a:ext cx="1370520" cy="684720"/>
           </a:xfrm>
           <a:prstGeom prst="rightArrow">
             <a:avLst>
@@ -26490,7 +26496,7 @@
         <p:spPr>
           <a:xfrm>
             <a:off x="360000" y="360000"/>
-            <a:ext cx="9349200" cy="889200"/>
+            <a:ext cx="9348840" cy="888840"/>
           </a:xfrm>
           <a:prstGeom prst="rect">
             <a:avLst/>
@@ -26544,7 +26550,7 @@
         <p:spPr>
           <a:xfrm>
             <a:off x="360000" y="1980000"/>
-            <a:ext cx="9169200" cy="4669200"/>
+            <a:ext cx="9168840" cy="4668840"/>
           </a:xfrm>
           <a:prstGeom prst="rect">
             <a:avLst/>
@@ -26607,7 +26613,7 @@
         <p:spPr>
           <a:xfrm>
             <a:off x="897120" y="6886080"/>
-            <a:ext cx="6436440" cy="354240"/>
+            <a:ext cx="6436080" cy="353880"/>
           </a:xfrm>
           <a:prstGeom prst="rect">
             <a:avLst/>
@@ -26661,7 +26667,7 @@
         <p:spPr>
           <a:xfrm>
             <a:off x="7608600" y="6886080"/>
-            <a:ext cx="2274480" cy="354240"/>
+            <a:ext cx="2274120" cy="353880"/>
           </a:xfrm>
           <a:prstGeom prst="rect">
             <a:avLst/>
@@ -26715,7 +26721,7 @@
         <p:spPr>
           <a:xfrm>
             <a:off x="327960" y="1553760"/>
-            <a:ext cx="9190440" cy="5124960"/>
+            <a:ext cx="9190080" cy="5124600"/>
           </a:xfrm>
           <a:prstGeom prst="rect">
             <a:avLst/>
@@ -26973,7 +26979,7 @@
         <p:spPr>
           <a:xfrm>
             <a:off x="1345680" y="3785400"/>
-            <a:ext cx="2772360" cy="777960"/>
+            <a:ext cx="2772000" cy="777600"/>
           </a:xfrm>
           <a:prstGeom prst="rect">
             <a:avLst/>
@@ -27022,7 +27028,7 @@
         <p:spPr>
           <a:xfrm>
             <a:off x="360000" y="360000"/>
-            <a:ext cx="9349200" cy="889200"/>
+            <a:ext cx="9348840" cy="888840"/>
           </a:xfrm>
           <a:prstGeom prst="rect">
             <a:avLst/>
@@ -27076,7 +27082,7 @@
         <p:spPr>
           <a:xfrm>
             <a:off x="360000" y="1980000"/>
-            <a:ext cx="9169200" cy="4669200"/>
+            <a:ext cx="9168840" cy="4668840"/>
           </a:xfrm>
           <a:prstGeom prst="rect">
             <a:avLst/>
@@ -27139,7 +27145,7 @@
         <p:spPr>
           <a:xfrm>
             <a:off x="897120" y="6886080"/>
-            <a:ext cx="6436440" cy="354240"/>
+            <a:ext cx="6436080" cy="353880"/>
           </a:xfrm>
           <a:prstGeom prst="rect">
             <a:avLst/>
@@ -27193,7 +27199,7 @@
         <p:spPr>
           <a:xfrm>
             <a:off x="7608600" y="6886080"/>
-            <a:ext cx="2274480" cy="354240"/>
+            <a:ext cx="2274120" cy="353880"/>
           </a:xfrm>
           <a:prstGeom prst="rect">
             <a:avLst/>
@@ -27247,7 +27253,7 @@
         <p:spPr>
           <a:xfrm>
             <a:off x="327960" y="1517760"/>
-            <a:ext cx="9190440" cy="5124960"/>
+            <a:ext cx="9190080" cy="5124600"/>
           </a:xfrm>
           <a:prstGeom prst="rect">
             <a:avLst/>
@@ -27635,7 +27641,30 @@
         <p:spPr>
           <a:xfrm>
             <a:off x="757440" y="2510640"/>
-            <a:ext cx="2772360" cy="777960"/>
+            <a:ext cx="2772000" cy="777600"/>
+          </a:xfrm>
+          <a:prstGeom prst="rect">
+            <a:avLst/>
+          </a:prstGeom>
+          <a:ln w="0">
+            <a:noFill/>
+          </a:ln>
+        </p:spPr>
+      </p:pic>
+      <p:pic>
+        <p:nvPicPr>
+          <p:cNvPr id="220" name="" descr=""/>
+          <p:cNvPicPr/>
+          <p:nvPr/>
+        </p:nvPicPr>
+        <p:blipFill>
+          <a:blip r:embed="rId2"/>
+          <a:stretch/>
+        </p:blipFill>
+        <p:spPr>
+          <a:xfrm>
+            <a:off x="5266080" y="2514600"/>
+            <a:ext cx="3649320" cy="3330360"/>
           </a:xfrm>
           <a:prstGeom prst="rect">
             <a:avLst/>
@@ -27677,7 +27706,7 @@
       </p:grpSpPr>
       <p:pic>
         <p:nvPicPr>
-          <p:cNvPr id="220" name="" descr=""/>
+          <p:cNvPr id="221" name="" descr=""/>
           <p:cNvPicPr/>
           <p:nvPr/>
         </p:nvPicPr>
@@ -27689,7 +27718,7 @@
         <p:spPr>
           <a:xfrm>
             <a:off x="6386040" y="4146480"/>
-            <a:ext cx="2930400" cy="2559960"/>
+            <a:ext cx="2930040" cy="2559600"/>
           </a:xfrm>
           <a:prstGeom prst="rect">
             <a:avLst/>
@@ -27701,14 +27730,14 @@
       </p:pic>
       <p:sp>
         <p:nvSpPr>
-          <p:cNvPr id="221" name="CustomShape 30"/>
+          <p:cNvPr id="222" name="CustomShape 30"/>
           <p:cNvSpPr/>
           <p:nvPr/>
         </p:nvSpPr>
         <p:spPr>
           <a:xfrm>
             <a:off x="360000" y="360000"/>
-            <a:ext cx="9349200" cy="889200"/>
+            <a:ext cx="9348840" cy="888840"/>
           </a:xfrm>
           <a:prstGeom prst="rect">
             <a:avLst/>
@@ -27755,14 +27784,14 @@
       </p:sp>
       <p:sp>
         <p:nvSpPr>
-          <p:cNvPr id="222" name="CustomShape 31"/>
+          <p:cNvPr id="223" name="CustomShape 31"/>
           <p:cNvSpPr/>
           <p:nvPr/>
         </p:nvSpPr>
         <p:spPr>
           <a:xfrm>
             <a:off x="360000" y="1980000"/>
-            <a:ext cx="9169200" cy="4669200"/>
+            <a:ext cx="9168840" cy="4668840"/>
           </a:xfrm>
           <a:prstGeom prst="rect">
             <a:avLst/>
@@ -27818,14 +27847,14 @@
       </p:sp>
       <p:sp>
         <p:nvSpPr>
-          <p:cNvPr id="223" name="CustomShape 32"/>
+          <p:cNvPr id="224" name="CustomShape 32"/>
           <p:cNvSpPr/>
           <p:nvPr/>
         </p:nvSpPr>
         <p:spPr>
           <a:xfrm>
             <a:off x="897120" y="6886080"/>
-            <a:ext cx="6436440" cy="354240"/>
+            <a:ext cx="6436080" cy="353880"/>
           </a:xfrm>
           <a:prstGeom prst="rect">
             <a:avLst/>
@@ -27872,14 +27901,14 @@
       </p:sp>
       <p:sp>
         <p:nvSpPr>
-          <p:cNvPr id="224" name="CustomShape 33"/>
+          <p:cNvPr id="225" name="CustomShape 33"/>
           <p:cNvSpPr/>
           <p:nvPr/>
         </p:nvSpPr>
         <p:spPr>
           <a:xfrm>
             <a:off x="7608600" y="6886080"/>
-            <a:ext cx="2274480" cy="354240"/>
+            <a:ext cx="2274120" cy="353880"/>
           </a:xfrm>
           <a:prstGeom prst="rect">
             <a:avLst/>
@@ -27926,14 +27955,14 @@
       </p:sp>
       <p:sp>
         <p:nvSpPr>
-          <p:cNvPr id="225" name=""/>
+          <p:cNvPr id="226" name=""/>
           <p:cNvSpPr/>
           <p:nvPr/>
         </p:nvSpPr>
         <p:spPr>
           <a:xfrm>
             <a:off x="327960" y="1553760"/>
-            <a:ext cx="9190440" cy="5124960"/>
+            <a:ext cx="9190080" cy="5124600"/>
           </a:xfrm>
           <a:prstGeom prst="rect">
             <a:avLst/>
@@ -28462,7 +28491,7 @@
       </p:sp>
       <p:pic>
         <p:nvPicPr>
-          <p:cNvPr id="226" name="" descr=""/>
+          <p:cNvPr id="227" name="" descr=""/>
           <p:cNvPicPr/>
           <p:nvPr/>
         </p:nvPicPr>
@@ -28473,7 +28502,7 @@
         <p:spPr>
           <a:xfrm>
             <a:off x="1037520" y="3120840"/>
-            <a:ext cx="2404800" cy="674640"/>
+            <a:ext cx="2404440" cy="674280"/>
           </a:xfrm>
           <a:prstGeom prst="rect">
             <a:avLst/>
@@ -28485,7 +28514,7 @@
       </p:pic>
       <p:pic>
         <p:nvPicPr>
-          <p:cNvPr id="227" name="" descr=""/>
+          <p:cNvPr id="228" name="" descr=""/>
           <p:cNvPicPr/>
           <p:nvPr/>
         </p:nvPicPr>
@@ -28496,7 +28525,7 @@
         <p:spPr>
           <a:xfrm>
             <a:off x="5196600" y="1924920"/>
-            <a:ext cx="4406400" cy="1798920"/>
+            <a:ext cx="4406040" cy="1798560"/>
           </a:xfrm>
           <a:prstGeom prst="rect">
             <a:avLst/>
@@ -28538,14 +28567,14 @@
       </p:grpSpPr>
       <p:sp>
         <p:nvSpPr>
-          <p:cNvPr id="228" name="CustomShape 35"/>
+          <p:cNvPr id="229" name="CustomShape 35"/>
           <p:cNvSpPr/>
           <p:nvPr/>
         </p:nvSpPr>
         <p:spPr>
           <a:xfrm>
             <a:off x="360000" y="360000"/>
-            <a:ext cx="9349200" cy="889200"/>
+            <a:ext cx="9348840" cy="888840"/>
           </a:xfrm>
           <a:prstGeom prst="rect">
             <a:avLst/>
@@ -28592,14 +28621,14 @@
       </p:sp>
       <p:sp>
         <p:nvSpPr>
-          <p:cNvPr id="229" name="CustomShape 36"/>
+          <p:cNvPr id="230" name="CustomShape 36"/>
           <p:cNvSpPr/>
           <p:nvPr/>
         </p:nvSpPr>
         <p:spPr>
           <a:xfrm>
             <a:off x="360000" y="1980000"/>
-            <a:ext cx="9169200" cy="4669200"/>
+            <a:ext cx="9168840" cy="4668840"/>
           </a:xfrm>
           <a:prstGeom prst="rect">
             <a:avLst/>
@@ -28655,14 +28684,14 @@
       </p:sp>
       <p:sp>
         <p:nvSpPr>
-          <p:cNvPr id="230" name="CustomShape 37"/>
+          <p:cNvPr id="231" name="CustomShape 37"/>
           <p:cNvSpPr/>
           <p:nvPr/>
         </p:nvSpPr>
         <p:spPr>
           <a:xfrm>
             <a:off x="897120" y="6886080"/>
-            <a:ext cx="6436440" cy="354240"/>
+            <a:ext cx="6436080" cy="353880"/>
           </a:xfrm>
           <a:prstGeom prst="rect">
             <a:avLst/>
@@ -28709,14 +28738,14 @@
       </p:sp>
       <p:sp>
         <p:nvSpPr>
-          <p:cNvPr id="231" name="CustomShape 38"/>
+          <p:cNvPr id="232" name="CustomShape 38"/>
           <p:cNvSpPr/>
           <p:nvPr/>
         </p:nvSpPr>
         <p:spPr>
           <a:xfrm>
             <a:off x="7608600" y="6886080"/>
-            <a:ext cx="2274480" cy="354240"/>
+            <a:ext cx="2274120" cy="353880"/>
           </a:xfrm>
           <a:prstGeom prst="rect">
             <a:avLst/>
@@ -28763,14 +28792,14 @@
       </p:sp>
       <p:sp>
         <p:nvSpPr>
-          <p:cNvPr id="232" name=""/>
+          <p:cNvPr id="233" name=""/>
           <p:cNvSpPr/>
           <p:nvPr/>
         </p:nvSpPr>
         <p:spPr>
           <a:xfrm>
             <a:off x="327960" y="1553760"/>
-            <a:ext cx="9190440" cy="5124960"/>
+            <a:ext cx="9190080" cy="5124600"/>
           </a:xfrm>
           <a:prstGeom prst="rect">
             <a:avLst/>
